--- a/0.跟做项目/前列腺炎诊断--医疗影像大模型/进度汇报/2024-11-26 - 草图.pptx
+++ b/0.跟做项目/前列腺炎诊断--医疗影像大模型/进度汇报/2024-11-26 - 草图.pptx
@@ -3450,7 +3450,7 @@
                 <a:ea typeface="微软雅黑" panose="020B0503020204020204" charset="-122"/>
                 <a:sym typeface="+mn-ea"/>
               </a:rPr>
-              <a:t>2024.11.24</a:t>
+              <a:t>2024.11.26</a:t>
             </a:r>
             <a:endParaRPr lang="en-US" altLang="zh-CN" sz="2800" dirty="0">
               <a:solidFill>
@@ -3606,7 +3606,7 @@
                 <a:ea typeface="微软雅黑" panose="020B0503020204020204" charset="-122"/>
                 <a:sym typeface="+mn-ea"/>
               </a:rPr>
-              <a:t>调研</a:t>
+              <a:t>草图</a:t>
             </a:r>
             <a:endParaRPr kumimoji="0" lang="zh-CN" altLang="en-US" sz="7200" i="0" u="none" strike="noStrike" kern="1200" cap="none" spc="0" normalizeH="0" baseline="0" noProof="0" dirty="0">
               <a:ln>
@@ -4566,337 +4566,39 @@
           </a:p>
         </p:txBody>
       </p:sp>
-      <p:pic>
-        <p:nvPicPr>
-          <p:cNvPr id="4" name="图片 3"/>
-          <p:cNvPicPr>
-            <a:picLocks noChangeAspect="1"/>
-          </p:cNvPicPr>
-          <p:nvPr/>
-        </p:nvPicPr>
-        <p:blipFill>
-          <a:blip r:embed="rId2"/>
-          <a:srcRect b="6187"/>
-          <a:stretch>
-            <a:fillRect/>
-          </a:stretch>
-        </p:blipFill>
-        <p:spPr>
-          <a:xfrm>
-            <a:off x="393700" y="2088515"/>
-            <a:ext cx="2963545" cy="3697605"/>
-          </a:xfrm>
-          <a:prstGeom prst="rect">
-            <a:avLst/>
-          </a:prstGeom>
-        </p:spPr>
-      </p:pic>
-      <p:pic>
-        <p:nvPicPr>
-          <p:cNvPr id="6" name="图片 5" descr="PB03900001"/>
-          <p:cNvPicPr>
-            <a:picLocks noChangeAspect="1"/>
-          </p:cNvPicPr>
-          <p:nvPr/>
-        </p:nvPicPr>
-        <p:blipFill>
-          <a:blip r:embed="rId3"/>
-          <a:stretch>
-            <a:fillRect/>
-          </a:stretch>
-        </p:blipFill>
-        <p:spPr>
-          <a:xfrm>
-            <a:off x="1115695" y="2081530"/>
-            <a:ext cx="449580" cy="439420"/>
-          </a:xfrm>
-          <a:prstGeom prst="rect">
-            <a:avLst/>
-          </a:prstGeom>
-        </p:spPr>
-      </p:pic>
-      <p:pic>
-        <p:nvPicPr>
-          <p:cNvPr id="8" name="图片 7" descr="PB03900001"/>
-          <p:cNvPicPr>
-            <a:picLocks noChangeAspect="1"/>
-          </p:cNvPicPr>
-          <p:nvPr/>
-        </p:nvPicPr>
-        <p:blipFill>
-          <a:blip r:embed="rId3"/>
-          <a:stretch>
-            <a:fillRect/>
-          </a:stretch>
-        </p:blipFill>
-        <p:spPr>
-          <a:xfrm>
-            <a:off x="1595120" y="2081530"/>
-            <a:ext cx="452755" cy="439420"/>
-          </a:xfrm>
-          <a:prstGeom prst="rect">
-            <a:avLst/>
-          </a:prstGeom>
-        </p:spPr>
-      </p:pic>
-      <p:pic>
-        <p:nvPicPr>
-          <p:cNvPr id="11" name="图片 10" descr="PB03900001"/>
-          <p:cNvPicPr>
-            <a:picLocks noChangeAspect="1"/>
-          </p:cNvPicPr>
-          <p:nvPr/>
-        </p:nvPicPr>
-        <p:blipFill>
-          <a:blip r:embed="rId3"/>
-          <a:stretch>
-            <a:fillRect/>
-          </a:stretch>
-        </p:blipFill>
-        <p:spPr>
-          <a:xfrm>
-            <a:off x="2094230" y="2081530"/>
-            <a:ext cx="440690" cy="439420"/>
-          </a:xfrm>
-          <a:prstGeom prst="rect">
-            <a:avLst/>
-          </a:prstGeom>
-        </p:spPr>
-      </p:pic>
-      <p:sp>
-        <p:nvSpPr>
-          <p:cNvPr id="12" name="圆角矩形 11"/>
-          <p:cNvSpPr/>
-          <p:nvPr/>
-        </p:nvSpPr>
-        <p:spPr>
-          <a:xfrm>
-            <a:off x="347345" y="1764030"/>
-            <a:ext cx="3134360" cy="4192905"/>
-          </a:xfrm>
-          <a:prstGeom prst="roundRect">
-            <a:avLst/>
-          </a:prstGeom>
-          <a:noFill/>
-        </p:spPr>
-        <p:style>
-          <a:lnRef idx="2">
-            <a:schemeClr val="accent1">
-              <a:lumMod val="75000"/>
-            </a:schemeClr>
-          </a:lnRef>
-          <a:fillRef idx="1">
-            <a:schemeClr val="accent1"/>
-          </a:fillRef>
-          <a:effectRef idx="0">
-            <a:srgbClr val="FFFFFF"/>
-          </a:effectRef>
-          <a:fontRef idx="minor">
-            <a:schemeClr val="lt1"/>
-          </a:fontRef>
-        </p:style>
-        <p:txBody>
-          <a:bodyPr rtlCol="0" anchor="ctr"/>
-          <a:p>
-            <a:pPr algn="ctr"/>
-            <a:endParaRPr lang="zh-CN" altLang="en-US"/>
-          </a:p>
-        </p:txBody>
-      </p:sp>
-      <p:sp>
-        <p:nvSpPr>
-          <p:cNvPr id="14" name="文本框 13"/>
-          <p:cNvSpPr txBox="1"/>
-          <p:nvPr/>
-        </p:nvSpPr>
-        <p:spPr>
-          <a:xfrm>
-            <a:off x="1084580" y="5956935"/>
-            <a:ext cx="1581150" cy="229870"/>
-          </a:xfrm>
-          <a:prstGeom prst="rect">
-            <a:avLst/>
-          </a:prstGeom>
-          <a:noFill/>
-        </p:spPr>
-        <p:txBody>
-          <a:bodyPr wrap="square" rtlCol="0">
-            <a:spAutoFit/>
-          </a:bodyPr>
-          <a:p>
-            <a:pPr algn="ctr"/>
-            <a:r>
-              <a:rPr lang="en-US" altLang="zh-CN" sz="900"/>
-              <a:t>classifier</a:t>
-            </a:r>
-            <a:endParaRPr lang="en-US" altLang="zh-CN" sz="900"/>
-          </a:p>
-        </p:txBody>
-      </p:sp>
-      <p:sp>
-        <p:nvSpPr>
-          <p:cNvPr id="15" name="圆角矩形 14"/>
-          <p:cNvSpPr/>
-          <p:nvPr/>
-        </p:nvSpPr>
-        <p:spPr>
-          <a:xfrm>
-            <a:off x="3888105" y="1764030"/>
-            <a:ext cx="3860165" cy="2876550"/>
-          </a:xfrm>
-          <a:prstGeom prst="roundRect">
-            <a:avLst/>
-          </a:prstGeom>
-          <a:noFill/>
-        </p:spPr>
-        <p:style>
-          <a:lnRef idx="2">
-            <a:schemeClr val="accent1">
-              <a:lumMod val="75000"/>
-            </a:schemeClr>
-          </a:lnRef>
-          <a:fillRef idx="1">
-            <a:schemeClr val="accent1"/>
-          </a:fillRef>
-          <a:effectRef idx="0">
-            <a:srgbClr val="FFFFFF"/>
-          </a:effectRef>
-          <a:fontRef idx="minor">
-            <a:schemeClr val="lt1"/>
-          </a:fontRef>
-        </p:style>
-        <p:txBody>
-          <a:bodyPr rtlCol="0" anchor="ctr"/>
-          <a:p>
-            <a:pPr algn="ctr"/>
-            <a:endParaRPr lang="zh-CN" altLang="en-US"/>
-          </a:p>
-        </p:txBody>
-      </p:sp>
-      <p:pic>
-        <p:nvPicPr>
-          <p:cNvPr id="16" name="图片 15" descr="PB03900001"/>
-          <p:cNvPicPr>
-            <a:picLocks noChangeAspect="1"/>
-          </p:cNvPicPr>
-          <p:nvPr>
-            <p:custDataLst>
-              <p:tags r:id="rId4"/>
-            </p:custDataLst>
-          </p:nvPr>
-        </p:nvPicPr>
-        <p:blipFill>
-          <a:blip r:embed="rId3"/>
-          <a:stretch>
-            <a:fillRect/>
-          </a:stretch>
-        </p:blipFill>
-        <p:spPr>
-          <a:xfrm>
-            <a:off x="4865370" y="1933575"/>
-            <a:ext cx="440690" cy="439420"/>
-          </a:xfrm>
-          <a:prstGeom prst="rect">
-            <a:avLst/>
-          </a:prstGeom>
-        </p:spPr>
-      </p:pic>
-      <p:pic>
-        <p:nvPicPr>
-          <p:cNvPr id="17" name="图片 16" descr="PB03900001"/>
-          <p:cNvPicPr>
-            <a:picLocks noChangeAspect="1"/>
-          </p:cNvPicPr>
-          <p:nvPr>
-            <p:custDataLst>
-              <p:tags r:id="rId5"/>
-            </p:custDataLst>
-          </p:nvPr>
-        </p:nvPicPr>
-        <p:blipFill>
-          <a:blip r:embed="rId3"/>
-          <a:stretch>
-            <a:fillRect/>
-          </a:stretch>
-        </p:blipFill>
-        <p:spPr>
-          <a:xfrm>
-            <a:off x="5306060" y="1934210"/>
-            <a:ext cx="440690" cy="439420"/>
-          </a:xfrm>
-          <a:prstGeom prst="rect">
-            <a:avLst/>
-          </a:prstGeom>
-        </p:spPr>
-      </p:pic>
-      <p:pic>
-        <p:nvPicPr>
-          <p:cNvPr id="18" name="图片 17" descr="PB03900001"/>
-          <p:cNvPicPr>
-            <a:picLocks noChangeAspect="1"/>
-          </p:cNvPicPr>
-          <p:nvPr>
-            <p:custDataLst>
-              <p:tags r:id="rId6"/>
-            </p:custDataLst>
-          </p:nvPr>
-        </p:nvPicPr>
-        <p:blipFill>
-          <a:blip r:embed="rId3"/>
-          <a:stretch>
-            <a:fillRect/>
-          </a:stretch>
-        </p:blipFill>
-        <p:spPr>
-          <a:xfrm>
-            <a:off x="5746750" y="1933575"/>
-            <a:ext cx="440690" cy="439420"/>
-          </a:xfrm>
-          <a:prstGeom prst="rect">
-            <a:avLst/>
-          </a:prstGeom>
-        </p:spPr>
-      </p:pic>
       <p:grpSp>
         <p:nvGrpSpPr>
-          <p:cNvPr id="30" name="组合 29"/>
+          <p:cNvPr id="2" name="组合 1"/>
           <p:cNvGrpSpPr/>
-          <p:nvPr>
-            <p:custDataLst>
-              <p:tags r:id="rId7"/>
-            </p:custDataLst>
-          </p:nvPr>
+          <p:nvPr/>
         </p:nvGrpSpPr>
         <p:grpSpPr>
           <a:xfrm>
-            <a:off x="4787265" y="654050"/>
-            <a:ext cx="1581150" cy="859790"/>
-            <a:chOff x="7833" y="1166"/>
-            <a:chExt cx="2490" cy="1354"/>
+            <a:off x="1749425" y="468630"/>
+            <a:ext cx="8882380" cy="6499047"/>
+            <a:chOff x="547" y="1030"/>
+            <a:chExt cx="12275" cy="8657"/>
           </a:xfrm>
         </p:grpSpPr>
         <p:pic>
           <p:nvPicPr>
-            <p:cNvPr id="20" name="图片 19" descr="PB03900038"/>
+            <p:cNvPr id="4" name="图片 3"/>
             <p:cNvPicPr>
               <a:picLocks noChangeAspect="1"/>
             </p:cNvPicPr>
-            <p:nvPr>
-              <p:custDataLst>
-                <p:tags r:id="rId8"/>
-              </p:custDataLst>
-            </p:nvPr>
+            <p:nvPr/>
           </p:nvPicPr>
           <p:blipFill>
-            <a:blip r:embed="rId9"/>
+            <a:blip r:embed="rId2"/>
+            <a:srcRect b="6187"/>
             <a:stretch>
               <a:fillRect/>
             </a:stretch>
           </p:blipFill>
           <p:spPr>
             <a:xfrm>
-              <a:off x="8675" y="1344"/>
-              <a:ext cx="693" cy="693"/>
+              <a:off x="620" y="3289"/>
+              <a:ext cx="4667" cy="5823"/>
             </a:xfrm>
             <a:prstGeom prst="rect">
               <a:avLst/>
@@ -4905,43 +4607,11 @@
         </p:pic>
         <p:pic>
           <p:nvPicPr>
-            <p:cNvPr id="24" name="图片 23" descr="PB03900038"/>
+            <p:cNvPr id="6" name="图片 5" descr="PB03900001"/>
             <p:cNvPicPr>
               <a:picLocks noChangeAspect="1"/>
             </p:cNvPicPr>
-            <p:nvPr>
-              <p:custDataLst>
-                <p:tags r:id="rId10"/>
-              </p:custDataLst>
-            </p:nvPr>
-          </p:nvPicPr>
-          <p:blipFill>
-            <a:blip r:embed="rId9"/>
-            <a:stretch>
-              <a:fillRect/>
-            </a:stretch>
-          </p:blipFill>
-          <p:spPr>
-            <a:xfrm>
-              <a:off x="9368" y="1344"/>
-              <a:ext cx="693" cy="693"/>
-            </a:xfrm>
-            <a:prstGeom prst="rect">
-              <a:avLst/>
-            </a:prstGeom>
-          </p:spPr>
-        </p:pic>
-        <p:pic>
-          <p:nvPicPr>
-            <p:cNvPr id="26" name="图片 25" descr="PB03900001"/>
-            <p:cNvPicPr>
-              <a:picLocks noChangeAspect="1"/>
-            </p:cNvPicPr>
-            <p:nvPr>
-              <p:custDataLst>
-                <p:tags r:id="rId11"/>
-              </p:custDataLst>
-            </p:nvPr>
+            <p:nvPr/>
           </p:nvPicPr>
           <p:blipFill>
             <a:blip r:embed="rId3"/>
@@ -4951,7 +4621,55 @@
           </p:blipFill>
           <p:spPr>
             <a:xfrm>
-              <a:off x="7981" y="1345"/>
+              <a:off x="1757" y="3278"/>
+              <a:ext cx="708" cy="692"/>
+            </a:xfrm>
+            <a:prstGeom prst="rect">
+              <a:avLst/>
+            </a:prstGeom>
+          </p:spPr>
+        </p:pic>
+        <p:pic>
+          <p:nvPicPr>
+            <p:cNvPr id="8" name="图片 7" descr="PB03900001"/>
+            <p:cNvPicPr>
+              <a:picLocks noChangeAspect="1"/>
+            </p:cNvPicPr>
+            <p:nvPr/>
+          </p:nvPicPr>
+          <p:blipFill>
+            <a:blip r:embed="rId3"/>
+            <a:stretch>
+              <a:fillRect/>
+            </a:stretch>
+          </p:blipFill>
+          <p:spPr>
+            <a:xfrm>
+              <a:off x="2512" y="3278"/>
+              <a:ext cx="713" cy="692"/>
+            </a:xfrm>
+            <a:prstGeom prst="rect">
+              <a:avLst/>
+            </a:prstGeom>
+          </p:spPr>
+        </p:pic>
+        <p:pic>
+          <p:nvPicPr>
+            <p:cNvPr id="11" name="图片 10" descr="PB03900001"/>
+            <p:cNvPicPr>
+              <a:picLocks noChangeAspect="1"/>
+            </p:cNvPicPr>
+            <p:nvPr/>
+          </p:nvPicPr>
+          <p:blipFill>
+            <a:blip r:embed="rId3"/>
+            <a:stretch>
+              <a:fillRect/>
+            </a:stretch>
+          </p:blipFill>
+          <p:spPr>
+            <a:xfrm>
+              <a:off x="3298" y="3278"/>
               <a:ext cx="694" cy="692"/>
             </a:xfrm>
             <a:prstGeom prst="rect">
@@ -4961,18 +4679,14 @@
         </p:pic>
         <p:sp>
           <p:nvSpPr>
-            <p:cNvPr id="28" name="圆角矩形 27"/>
+            <p:cNvPr id="12" name="圆角矩形 11"/>
             <p:cNvSpPr/>
-            <p:nvPr>
-              <p:custDataLst>
-                <p:tags r:id="rId12"/>
-              </p:custDataLst>
-            </p:nvPr>
+            <p:nvPr/>
           </p:nvSpPr>
           <p:spPr>
             <a:xfrm>
-              <a:off x="7833" y="1166"/>
-              <a:ext cx="2378" cy="992"/>
+              <a:off x="547" y="2778"/>
+              <a:ext cx="4936" cy="6603"/>
             </a:xfrm>
             <a:prstGeom prst="roundRect">
               <a:avLst/>
@@ -5005,14 +4719,14 @@
         </p:sp>
         <p:sp>
           <p:nvSpPr>
-            <p:cNvPr id="29" name="文本框 28"/>
+            <p:cNvPr id="14" name="文本框 13"/>
             <p:cNvSpPr txBox="1"/>
             <p:nvPr/>
           </p:nvSpPr>
           <p:spPr>
             <a:xfrm>
-              <a:off x="7833" y="2158"/>
-              <a:ext cx="2490" cy="362"/>
+              <a:off x="1708" y="9381"/>
+              <a:ext cx="2490" cy="306"/>
             </a:xfrm>
             <a:prstGeom prst="rect">
               <a:avLst/>
@@ -5027,653 +4741,435 @@
               <a:pPr algn="ctr"/>
               <a:r>
                 <a:rPr lang="en-US" altLang="zh-CN" sz="900"/>
-                <a:t>video</a:t>
+                <a:t>classifier</a:t>
               </a:r>
               <a:endParaRPr lang="en-US" altLang="zh-CN" sz="900"/>
             </a:p>
           </p:txBody>
         </p:sp>
-      </p:grpSp>
-      <p:cxnSp>
-        <p:nvCxnSpPr>
-          <p:cNvPr id="31" name="直接箭头连接符 30"/>
-          <p:cNvCxnSpPr>
-            <a:stCxn id="29" idx="2"/>
-          </p:cNvCxnSpPr>
-          <p:nvPr/>
-        </p:nvCxnSpPr>
-        <p:spPr>
-          <a:xfrm flipH="1">
-            <a:off x="5577205" y="1513840"/>
-            <a:ext cx="635" cy="322580"/>
-          </a:xfrm>
-          <a:prstGeom prst="straightConnector1">
-            <a:avLst/>
-          </a:prstGeom>
-          <a:ln>
-            <a:solidFill>
-              <a:schemeClr val="tx1"/>
-            </a:solidFill>
-            <a:tailEnd type="arrow"/>
-          </a:ln>
-        </p:spPr>
-        <p:style>
-          <a:lnRef idx="2">
-            <a:schemeClr val="accent1"/>
-          </a:lnRef>
-          <a:fillRef idx="0">
-            <a:srgbClr val="FFFFFF"/>
-          </a:fillRef>
-          <a:effectRef idx="0">
-            <a:srgbClr val="FFFFFF"/>
-          </a:effectRef>
-          <a:fontRef idx="minor">
-            <a:schemeClr val="tx1"/>
-          </a:fontRef>
-        </p:style>
-      </p:cxnSp>
-      <p:sp>
-        <p:nvSpPr>
-          <p:cNvPr id="32" name="圆角矩形 31"/>
-          <p:cNvSpPr/>
-          <p:nvPr/>
-        </p:nvSpPr>
-        <p:spPr>
-          <a:xfrm>
-            <a:off x="3888105" y="4790440"/>
-            <a:ext cx="3701415" cy="1166495"/>
-          </a:xfrm>
-          <a:prstGeom prst="roundRect">
-            <a:avLst/>
-          </a:prstGeom>
-          <a:noFill/>
-        </p:spPr>
-        <p:style>
-          <a:lnRef idx="2">
-            <a:schemeClr val="accent1">
-              <a:lumMod val="75000"/>
-            </a:schemeClr>
-          </a:lnRef>
-          <a:fillRef idx="1">
-            <a:schemeClr val="accent1"/>
-          </a:fillRef>
-          <a:effectRef idx="0">
-            <a:srgbClr val="FFFFFF"/>
-          </a:effectRef>
-          <a:fontRef idx="minor">
-            <a:schemeClr val="lt1"/>
-          </a:fontRef>
-        </p:style>
-        <p:txBody>
-          <a:bodyPr rtlCol="0" anchor="ctr"/>
-          <a:p>
-            <a:pPr algn="ctr"/>
-            <a:endParaRPr lang="zh-CN" altLang="en-US"/>
-          </a:p>
-        </p:txBody>
-      </p:sp>
-      <p:pic>
-        <p:nvPicPr>
-          <p:cNvPr id="34" name="图片 33"/>
-          <p:cNvPicPr>
-            <a:picLocks noChangeAspect="1"/>
-          </p:cNvPicPr>
-          <p:nvPr/>
-        </p:nvPicPr>
-        <p:blipFill>
-          <a:blip r:embed="rId13"/>
-          <a:stretch>
-            <a:fillRect/>
-          </a:stretch>
-        </p:blipFill>
-        <p:spPr>
-          <a:xfrm>
-            <a:off x="5203825" y="2669540"/>
-            <a:ext cx="748030" cy="528320"/>
-          </a:xfrm>
-          <a:prstGeom prst="rect">
-            <a:avLst/>
-          </a:prstGeom>
-        </p:spPr>
-      </p:pic>
-      <p:sp>
-        <p:nvSpPr>
-          <p:cNvPr id="35" name="圆角矩形 34"/>
-          <p:cNvSpPr/>
-          <p:nvPr/>
-        </p:nvSpPr>
-        <p:spPr>
-          <a:xfrm>
-            <a:off x="5099685" y="2618105"/>
-            <a:ext cx="955040" cy="629920"/>
-          </a:xfrm>
-          <a:prstGeom prst="roundRect">
-            <a:avLst/>
-          </a:prstGeom>
-          <a:noFill/>
-          <a:ln>
-            <a:solidFill>
-              <a:schemeClr val="tx1"/>
-            </a:solidFill>
-          </a:ln>
-        </p:spPr>
-        <p:style>
-          <a:lnRef idx="2">
-            <a:schemeClr val="accent1">
-              <a:lumMod val="75000"/>
-            </a:schemeClr>
-          </a:lnRef>
-          <a:fillRef idx="1">
-            <a:schemeClr val="accent1"/>
-          </a:fillRef>
-          <a:effectRef idx="0">
-            <a:srgbClr val="FFFFFF"/>
-          </a:effectRef>
-          <a:fontRef idx="minor">
-            <a:schemeClr val="lt1"/>
-          </a:fontRef>
-        </p:style>
-        <p:txBody>
-          <a:bodyPr rtlCol="0" anchor="ctr"/>
-          <a:p>
-            <a:pPr algn="ctr"/>
-            <a:endParaRPr lang="zh-CN" altLang="en-US"/>
-          </a:p>
-        </p:txBody>
-      </p:sp>
-      <p:sp>
-        <p:nvSpPr>
-          <p:cNvPr id="36" name="文本框 35"/>
-          <p:cNvSpPr txBox="1"/>
-          <p:nvPr/>
-        </p:nvSpPr>
-        <p:spPr>
-          <a:xfrm>
-            <a:off x="4787265" y="3248025"/>
-            <a:ext cx="1581150" cy="229870"/>
-          </a:xfrm>
-          <a:prstGeom prst="rect">
-            <a:avLst/>
-          </a:prstGeom>
-          <a:noFill/>
-        </p:spPr>
-        <p:txBody>
-          <a:bodyPr wrap="square" rtlCol="0">
-            <a:spAutoFit/>
-          </a:bodyPr>
-          <a:p>
-            <a:pPr algn="ctr"/>
-            <a:r>
-              <a:rPr lang="en-US" altLang="zh-CN" sz="900"/>
-              <a:t>LLM</a:t>
-            </a:r>
-            <a:endParaRPr lang="en-US" altLang="zh-CN" sz="900"/>
-          </a:p>
-        </p:txBody>
-      </p:sp>
-      <p:pic>
-        <p:nvPicPr>
-          <p:cNvPr id="37" name="图片 36" descr="PB03900001"/>
-          <p:cNvPicPr>
-            <a:picLocks noChangeAspect="1"/>
-          </p:cNvPicPr>
-          <p:nvPr>
-            <p:custDataLst>
-              <p:tags r:id="rId14"/>
-            </p:custDataLst>
-          </p:nvPr>
-        </p:nvPicPr>
-        <p:blipFill>
-          <a:blip r:embed="rId3"/>
-          <a:stretch>
-            <a:fillRect/>
-          </a:stretch>
-        </p:blipFill>
-        <p:spPr>
-          <a:xfrm>
-            <a:off x="4888865" y="3528060"/>
-            <a:ext cx="440690" cy="439420"/>
-          </a:xfrm>
-          <a:prstGeom prst="rect">
-            <a:avLst/>
-          </a:prstGeom>
-        </p:spPr>
-      </p:pic>
-      <p:pic>
-        <p:nvPicPr>
-          <p:cNvPr id="38" name="图片 37" descr="PB03900001"/>
-          <p:cNvPicPr>
-            <a:picLocks noChangeAspect="1"/>
-          </p:cNvPicPr>
-          <p:nvPr>
-            <p:custDataLst>
-              <p:tags r:id="rId15"/>
-            </p:custDataLst>
-          </p:nvPr>
-        </p:nvPicPr>
-        <p:blipFill>
-          <a:blip r:embed="rId3"/>
-          <a:stretch>
-            <a:fillRect/>
-          </a:stretch>
-        </p:blipFill>
-        <p:spPr>
-          <a:xfrm>
-            <a:off x="5329555" y="3528695"/>
-            <a:ext cx="440690" cy="439420"/>
-          </a:xfrm>
-          <a:prstGeom prst="rect">
-            <a:avLst/>
-          </a:prstGeom>
-        </p:spPr>
-      </p:pic>
-      <p:pic>
-        <p:nvPicPr>
-          <p:cNvPr id="39" name="图片 38" descr="PB03900001"/>
-          <p:cNvPicPr>
-            <a:picLocks noChangeAspect="1"/>
-          </p:cNvPicPr>
-          <p:nvPr>
-            <p:custDataLst>
-              <p:tags r:id="rId16"/>
-            </p:custDataLst>
-          </p:nvPr>
-        </p:nvPicPr>
-        <p:blipFill>
-          <a:blip r:embed="rId3"/>
-          <a:stretch>
-            <a:fillRect/>
-          </a:stretch>
-        </p:blipFill>
-        <p:spPr>
-          <a:xfrm>
-            <a:off x="5770245" y="3528060"/>
-            <a:ext cx="440690" cy="439420"/>
-          </a:xfrm>
-          <a:prstGeom prst="rect">
-            <a:avLst/>
-          </a:prstGeom>
-        </p:spPr>
-      </p:pic>
-      <p:pic>
-        <p:nvPicPr>
-          <p:cNvPr id="40" name="图片 39" descr="PB03900038"/>
-          <p:cNvPicPr>
-            <a:picLocks noChangeAspect="1"/>
-          </p:cNvPicPr>
-          <p:nvPr>
-            <p:custDataLst>
-              <p:tags r:id="rId17"/>
-            </p:custDataLst>
-          </p:nvPr>
-        </p:nvPicPr>
-        <p:blipFill>
-          <a:blip r:embed="rId9">
-            <a:alphaModFix amt="50000"/>
-          </a:blip>
-          <a:stretch>
-            <a:fillRect/>
-          </a:stretch>
-        </p:blipFill>
-        <p:spPr>
-          <a:xfrm>
-            <a:off x="4176395" y="3528060"/>
-            <a:ext cx="440055" cy="440055"/>
-          </a:xfrm>
-          <a:prstGeom prst="rect">
-            <a:avLst/>
-          </a:prstGeom>
-        </p:spPr>
-      </p:pic>
-      <p:sp>
-        <p:nvSpPr>
-          <p:cNvPr id="41" name="文本框 40"/>
-          <p:cNvSpPr txBox="1"/>
-          <p:nvPr>
-            <p:custDataLst>
-              <p:tags r:id="rId18"/>
-            </p:custDataLst>
-          </p:nvPr>
-        </p:nvSpPr>
-        <p:spPr>
-          <a:xfrm>
-            <a:off x="4615815" y="3606165"/>
-            <a:ext cx="273050" cy="229870"/>
-          </a:xfrm>
-          <a:prstGeom prst="rect">
-            <a:avLst/>
-          </a:prstGeom>
-          <a:noFill/>
-        </p:spPr>
-        <p:txBody>
-          <a:bodyPr wrap="square" rtlCol="0">
-            <a:spAutoFit/>
-          </a:bodyPr>
-          <a:p>
-            <a:pPr algn="ctr"/>
-            <a:r>
-              <a:rPr lang="en-US" altLang="zh-CN" sz="900"/>
-              <a:t>...</a:t>
-            </a:r>
-            <a:endParaRPr lang="en-US" altLang="zh-CN" sz="900"/>
-          </a:p>
-        </p:txBody>
-      </p:sp>
-      <p:sp>
-        <p:nvSpPr>
-          <p:cNvPr id="42" name="文本框 41"/>
-          <p:cNvSpPr txBox="1"/>
-          <p:nvPr>
-            <p:custDataLst>
-              <p:tags r:id="rId19"/>
-            </p:custDataLst>
-          </p:nvPr>
-        </p:nvSpPr>
-        <p:spPr>
-          <a:xfrm>
-            <a:off x="6234430" y="3633470"/>
-            <a:ext cx="273050" cy="229870"/>
-          </a:xfrm>
-          <a:prstGeom prst="rect">
-            <a:avLst/>
-          </a:prstGeom>
-          <a:noFill/>
-        </p:spPr>
-        <p:txBody>
-          <a:bodyPr wrap="square" rtlCol="0">
-            <a:spAutoFit/>
-          </a:bodyPr>
-          <a:p>
-            <a:pPr algn="ctr"/>
-            <a:r>
-              <a:rPr lang="en-US" altLang="zh-CN" sz="900"/>
-              <a:t>...</a:t>
-            </a:r>
-            <a:endParaRPr lang="en-US" altLang="zh-CN" sz="900"/>
-          </a:p>
-        </p:txBody>
-      </p:sp>
-      <p:pic>
-        <p:nvPicPr>
-          <p:cNvPr id="43" name="图片 42" descr="PB03900038"/>
-          <p:cNvPicPr>
-            <a:picLocks noChangeAspect="1"/>
-          </p:cNvPicPr>
-          <p:nvPr>
-            <p:custDataLst>
-              <p:tags r:id="rId20"/>
-            </p:custDataLst>
-          </p:nvPr>
-        </p:nvPicPr>
-        <p:blipFill>
-          <a:blip r:embed="rId9">
-            <a:alphaModFix amt="50000"/>
-          </a:blip>
-          <a:stretch>
-            <a:fillRect/>
-          </a:stretch>
-        </p:blipFill>
-        <p:spPr>
-          <a:xfrm>
-            <a:off x="6483350" y="3528695"/>
-            <a:ext cx="440055" cy="440055"/>
-          </a:xfrm>
-          <a:prstGeom prst="rect">
-            <a:avLst/>
-          </a:prstGeom>
-        </p:spPr>
-      </p:pic>
-      <p:pic>
-        <p:nvPicPr>
-          <p:cNvPr id="44" name="图片 43" descr="PB03900038"/>
-          <p:cNvPicPr>
-            <a:picLocks noChangeAspect="1"/>
-          </p:cNvPicPr>
-          <p:nvPr>
-            <p:custDataLst>
-              <p:tags r:id="rId21"/>
-            </p:custDataLst>
-          </p:nvPr>
-        </p:nvPicPr>
-        <p:blipFill>
-          <a:blip r:embed="rId9"/>
-          <a:stretch>
-            <a:fillRect/>
-          </a:stretch>
-        </p:blipFill>
-        <p:spPr>
-          <a:xfrm>
-            <a:off x="4425315" y="1932940"/>
-            <a:ext cx="440055" cy="440055"/>
-          </a:xfrm>
-          <a:prstGeom prst="rect">
-            <a:avLst/>
-          </a:prstGeom>
-        </p:spPr>
-      </p:pic>
-      <p:pic>
-        <p:nvPicPr>
-          <p:cNvPr id="45" name="图片 44" descr="PB03900038"/>
-          <p:cNvPicPr>
-            <a:picLocks noChangeAspect="1"/>
-          </p:cNvPicPr>
-          <p:nvPr>
-            <p:custDataLst>
-              <p:tags r:id="rId22"/>
-            </p:custDataLst>
-          </p:nvPr>
-        </p:nvPicPr>
-        <p:blipFill>
-          <a:blip r:embed="rId9"/>
-          <a:stretch>
-            <a:fillRect/>
-          </a:stretch>
-        </p:blipFill>
-        <p:spPr>
-          <a:xfrm>
-            <a:off x="6187440" y="1934210"/>
-            <a:ext cx="440055" cy="440055"/>
-          </a:xfrm>
-          <a:prstGeom prst="rect">
-            <a:avLst/>
-          </a:prstGeom>
-        </p:spPr>
-      </p:pic>
-      <p:pic>
-        <p:nvPicPr>
-          <p:cNvPr id="46" name="图片 45" descr="PB03900038"/>
-          <p:cNvPicPr>
-            <a:picLocks noChangeAspect="1"/>
-          </p:cNvPicPr>
-          <p:nvPr>
-            <p:custDataLst>
-              <p:tags r:id="rId23"/>
-            </p:custDataLst>
-          </p:nvPr>
-        </p:nvPicPr>
-        <p:blipFill>
-          <a:blip r:embed="rId9"/>
-          <a:stretch>
-            <a:fillRect/>
-          </a:stretch>
-        </p:blipFill>
-        <p:spPr>
-          <a:xfrm>
-            <a:off x="6628130" y="1934210"/>
-            <a:ext cx="440055" cy="440055"/>
-          </a:xfrm>
-          <a:prstGeom prst="rect">
-            <a:avLst/>
-          </a:prstGeom>
-        </p:spPr>
-      </p:pic>
-      <p:pic>
-        <p:nvPicPr>
-          <p:cNvPr id="47" name="图片 46" descr="PB03900038"/>
-          <p:cNvPicPr>
-            <a:picLocks noChangeAspect="1"/>
-          </p:cNvPicPr>
-          <p:nvPr>
-            <p:custDataLst>
-              <p:tags r:id="rId24"/>
-            </p:custDataLst>
-          </p:nvPr>
-        </p:nvPicPr>
-        <p:blipFill>
-          <a:blip r:embed="rId9"/>
-          <a:stretch>
-            <a:fillRect/>
-          </a:stretch>
-        </p:blipFill>
-        <p:spPr>
-          <a:xfrm>
-            <a:off x="3984625" y="1932940"/>
-            <a:ext cx="440055" cy="440055"/>
-          </a:xfrm>
-          <a:prstGeom prst="rect">
-            <a:avLst/>
-          </a:prstGeom>
-        </p:spPr>
-      </p:pic>
-      <p:cxnSp>
-        <p:nvCxnSpPr>
-          <p:cNvPr id="48" name="直接箭头连接符 47"/>
-          <p:cNvCxnSpPr/>
-          <p:nvPr/>
-        </p:nvCxnSpPr>
-        <p:spPr>
-          <a:xfrm flipH="1">
-            <a:off x="5576570" y="2407920"/>
-            <a:ext cx="1905" cy="172720"/>
-          </a:xfrm>
-          <a:prstGeom prst="straightConnector1">
-            <a:avLst/>
-          </a:prstGeom>
-          <a:ln>
-            <a:solidFill>
-              <a:schemeClr val="tx1"/>
-            </a:solidFill>
-            <a:tailEnd type="arrow"/>
-          </a:ln>
-        </p:spPr>
-        <p:style>
-          <a:lnRef idx="2">
-            <a:schemeClr val="accent1"/>
-          </a:lnRef>
-          <a:fillRef idx="0">
-            <a:srgbClr val="FFFFFF"/>
-          </a:fillRef>
-          <a:effectRef idx="0">
-            <a:srgbClr val="FFFFFF"/>
-          </a:effectRef>
-          <a:fontRef idx="minor">
-            <a:schemeClr val="tx1"/>
-          </a:fontRef>
-        </p:style>
-      </p:cxnSp>
-      <p:cxnSp>
-        <p:nvCxnSpPr>
-          <p:cNvPr id="49" name="直接箭头连接符 48"/>
-          <p:cNvCxnSpPr/>
-          <p:nvPr/>
-        </p:nvCxnSpPr>
-        <p:spPr>
-          <a:xfrm flipH="1">
-            <a:off x="5549900" y="3409950"/>
-            <a:ext cx="1270" cy="102235"/>
-          </a:xfrm>
-          <a:prstGeom prst="straightConnector1">
-            <a:avLst/>
-          </a:prstGeom>
-          <a:ln>
-            <a:solidFill>
-              <a:schemeClr val="tx1"/>
-            </a:solidFill>
-            <a:tailEnd type="arrow"/>
-          </a:ln>
-        </p:spPr>
-        <p:style>
-          <a:lnRef idx="2">
-            <a:schemeClr val="accent1"/>
-          </a:lnRef>
-          <a:fillRef idx="0">
-            <a:srgbClr val="FFFFFF"/>
-          </a:fillRef>
-          <a:effectRef idx="0">
-            <a:srgbClr val="FFFFFF"/>
-          </a:effectRef>
-          <a:fontRef idx="minor">
-            <a:schemeClr val="tx1"/>
-          </a:fontRef>
-        </p:style>
-      </p:cxnSp>
-      <p:cxnSp>
-        <p:nvCxnSpPr>
-          <p:cNvPr id="50" name="直接箭头连接符 49"/>
-          <p:cNvCxnSpPr/>
-          <p:nvPr/>
-        </p:nvCxnSpPr>
-        <p:spPr>
-          <a:xfrm>
-            <a:off x="6297295" y="969010"/>
-            <a:ext cx="921385" cy="3810"/>
-          </a:xfrm>
-          <a:prstGeom prst="straightConnector1">
-            <a:avLst/>
-          </a:prstGeom>
-          <a:ln>
-            <a:solidFill>
-              <a:schemeClr val="tx1"/>
-            </a:solidFill>
-            <a:tailEnd type="arrow"/>
-          </a:ln>
-        </p:spPr>
-        <p:style>
-          <a:lnRef idx="2">
-            <a:schemeClr val="accent1"/>
-          </a:lnRef>
-          <a:fillRef idx="0">
-            <a:srgbClr val="FFFFFF"/>
-          </a:fillRef>
-          <a:effectRef idx="0">
-            <a:srgbClr val="FFFFFF"/>
-          </a:effectRef>
-          <a:fontRef idx="minor">
-            <a:schemeClr val="tx1"/>
-          </a:fontRef>
-        </p:style>
-      </p:cxnSp>
-      <p:grpSp>
-        <p:nvGrpSpPr>
-          <p:cNvPr id="53" name="组合 52"/>
-          <p:cNvGrpSpPr/>
-          <p:nvPr/>
-        </p:nvGrpSpPr>
-        <p:grpSpPr>
-          <a:xfrm>
-            <a:off x="4935220" y="1513840"/>
-            <a:ext cx="450850" cy="229870"/>
-            <a:chOff x="7932" y="2417"/>
-            <a:chExt cx="710" cy="362"/>
-          </a:xfrm>
-        </p:grpSpPr>
         <p:sp>
           <p:nvSpPr>
-            <p:cNvPr id="52" name="圆角矩形 51"/>
+            <p:cNvPr id="15" name="圆角矩形 14"/>
             <p:cNvSpPr/>
             <p:nvPr/>
           </p:nvSpPr>
           <p:spPr>
             <a:xfrm>
-              <a:off x="7932" y="2440"/>
-              <a:ext cx="711" cy="301"/>
+              <a:off x="6123" y="2778"/>
+              <a:ext cx="6079" cy="4530"/>
             </a:xfrm>
             <a:prstGeom prst="roundRect">
               <a:avLst/>
             </a:prstGeom>
-            <a:solidFill>
-              <a:schemeClr val="bg2"/>
-            </a:solidFill>
+            <a:noFill/>
+          </p:spPr>
+          <p:style>
+            <a:lnRef idx="2">
+              <a:schemeClr val="accent1">
+                <a:lumMod val="75000"/>
+              </a:schemeClr>
+            </a:lnRef>
+            <a:fillRef idx="1">
+              <a:schemeClr val="accent1"/>
+            </a:fillRef>
+            <a:effectRef idx="0">
+              <a:srgbClr val="FFFFFF"/>
+            </a:effectRef>
+            <a:fontRef idx="minor">
+              <a:schemeClr val="lt1"/>
+            </a:fontRef>
+          </p:style>
+          <p:txBody>
+            <a:bodyPr rtlCol="0" anchor="ctr"/>
+            <a:p>
+              <a:pPr algn="ctr"/>
+              <a:endParaRPr lang="zh-CN" altLang="en-US"/>
+            </a:p>
+          </p:txBody>
+        </p:sp>
+        <p:pic>
+          <p:nvPicPr>
+            <p:cNvPr id="16" name="图片 15" descr="PB03900001"/>
+            <p:cNvPicPr>
+              <a:picLocks noChangeAspect="1"/>
+            </p:cNvPicPr>
+            <p:nvPr>
+              <p:custDataLst>
+                <p:tags r:id="rId4"/>
+              </p:custDataLst>
+            </p:nvPr>
+          </p:nvPicPr>
+          <p:blipFill>
+            <a:blip r:embed="rId3"/>
+            <a:stretch>
+              <a:fillRect/>
+            </a:stretch>
+          </p:blipFill>
+          <p:spPr>
+            <a:xfrm>
+              <a:off x="7662" y="3045"/>
+              <a:ext cx="694" cy="692"/>
+            </a:xfrm>
+            <a:prstGeom prst="rect">
+              <a:avLst/>
+            </a:prstGeom>
+          </p:spPr>
+        </p:pic>
+        <p:pic>
+          <p:nvPicPr>
+            <p:cNvPr id="17" name="图片 16" descr="PB03900001"/>
+            <p:cNvPicPr>
+              <a:picLocks noChangeAspect="1"/>
+            </p:cNvPicPr>
+            <p:nvPr>
+              <p:custDataLst>
+                <p:tags r:id="rId5"/>
+              </p:custDataLst>
+            </p:nvPr>
+          </p:nvPicPr>
+          <p:blipFill>
+            <a:blip r:embed="rId3"/>
+            <a:stretch>
+              <a:fillRect/>
+            </a:stretch>
+          </p:blipFill>
+          <p:spPr>
+            <a:xfrm>
+              <a:off x="8356" y="3046"/>
+              <a:ext cx="694" cy="692"/>
+            </a:xfrm>
+            <a:prstGeom prst="rect">
+              <a:avLst/>
+            </a:prstGeom>
+          </p:spPr>
+        </p:pic>
+        <p:pic>
+          <p:nvPicPr>
+            <p:cNvPr id="18" name="图片 17" descr="PB03900001"/>
+            <p:cNvPicPr>
+              <a:picLocks noChangeAspect="1"/>
+            </p:cNvPicPr>
+            <p:nvPr>
+              <p:custDataLst>
+                <p:tags r:id="rId6"/>
+              </p:custDataLst>
+            </p:nvPr>
+          </p:nvPicPr>
+          <p:blipFill>
+            <a:blip r:embed="rId3"/>
+            <a:stretch>
+              <a:fillRect/>
+            </a:stretch>
+          </p:blipFill>
+          <p:spPr>
+            <a:xfrm>
+              <a:off x="9050" y="3045"/>
+              <a:ext cx="694" cy="692"/>
+            </a:xfrm>
+            <a:prstGeom prst="rect">
+              <a:avLst/>
+            </a:prstGeom>
+          </p:spPr>
+        </p:pic>
+        <p:grpSp>
+          <p:nvGrpSpPr>
+            <p:cNvPr id="30" name="组合 29"/>
+            <p:cNvGrpSpPr/>
+            <p:nvPr>
+              <p:custDataLst>
+                <p:tags r:id="rId7"/>
+              </p:custDataLst>
+            </p:nvPr>
+          </p:nvGrpSpPr>
+          <p:grpSpPr>
+            <a:xfrm>
+              <a:off x="7539" y="1030"/>
+              <a:ext cx="2490" cy="1298"/>
+              <a:chOff x="7833" y="1166"/>
+              <a:chExt cx="2490" cy="1298"/>
+            </a:xfrm>
+          </p:grpSpPr>
+          <p:pic>
+            <p:nvPicPr>
+              <p:cNvPr id="20" name="图片 19" descr="PB03900038"/>
+              <p:cNvPicPr>
+                <a:picLocks noChangeAspect="1"/>
+              </p:cNvPicPr>
+              <p:nvPr>
+                <p:custDataLst>
+                  <p:tags r:id="rId8"/>
+                </p:custDataLst>
+              </p:nvPr>
+            </p:nvPicPr>
+            <p:blipFill>
+              <a:blip r:embed="rId9"/>
+              <a:stretch>
+                <a:fillRect/>
+              </a:stretch>
+            </p:blipFill>
+            <p:spPr>
+              <a:xfrm>
+                <a:off x="8675" y="1344"/>
+                <a:ext cx="693" cy="693"/>
+              </a:xfrm>
+              <a:prstGeom prst="rect">
+                <a:avLst/>
+              </a:prstGeom>
+            </p:spPr>
+          </p:pic>
+          <p:pic>
+            <p:nvPicPr>
+              <p:cNvPr id="24" name="图片 23" descr="PB03900038"/>
+              <p:cNvPicPr>
+                <a:picLocks noChangeAspect="1"/>
+              </p:cNvPicPr>
+              <p:nvPr>
+                <p:custDataLst>
+                  <p:tags r:id="rId10"/>
+                </p:custDataLst>
+              </p:nvPr>
+            </p:nvPicPr>
+            <p:blipFill>
+              <a:blip r:embed="rId9"/>
+              <a:stretch>
+                <a:fillRect/>
+              </a:stretch>
+            </p:blipFill>
+            <p:spPr>
+              <a:xfrm>
+                <a:off x="9368" y="1344"/>
+                <a:ext cx="693" cy="693"/>
+              </a:xfrm>
+              <a:prstGeom prst="rect">
+                <a:avLst/>
+              </a:prstGeom>
+            </p:spPr>
+          </p:pic>
+          <p:pic>
+            <p:nvPicPr>
+              <p:cNvPr id="26" name="图片 25" descr="PB03900001"/>
+              <p:cNvPicPr>
+                <a:picLocks noChangeAspect="1"/>
+              </p:cNvPicPr>
+              <p:nvPr>
+                <p:custDataLst>
+                  <p:tags r:id="rId11"/>
+                </p:custDataLst>
+              </p:nvPr>
+            </p:nvPicPr>
+            <p:blipFill>
+              <a:blip r:embed="rId3"/>
+              <a:stretch>
+                <a:fillRect/>
+              </a:stretch>
+            </p:blipFill>
+            <p:spPr>
+              <a:xfrm>
+                <a:off x="7981" y="1345"/>
+                <a:ext cx="694" cy="692"/>
+              </a:xfrm>
+              <a:prstGeom prst="rect">
+                <a:avLst/>
+              </a:prstGeom>
+            </p:spPr>
+          </p:pic>
+          <p:sp>
+            <p:nvSpPr>
+              <p:cNvPr id="28" name="圆角矩形 27"/>
+              <p:cNvSpPr/>
+              <p:nvPr>
+                <p:custDataLst>
+                  <p:tags r:id="rId12"/>
+                </p:custDataLst>
+              </p:nvPr>
+            </p:nvSpPr>
+            <p:spPr>
+              <a:xfrm>
+                <a:off x="7833" y="1166"/>
+                <a:ext cx="2378" cy="992"/>
+              </a:xfrm>
+              <a:prstGeom prst="roundRect">
+                <a:avLst/>
+              </a:prstGeom>
+              <a:noFill/>
+            </p:spPr>
+            <p:style>
+              <a:lnRef idx="2">
+                <a:schemeClr val="accent1">
+                  <a:lumMod val="75000"/>
+                </a:schemeClr>
+              </a:lnRef>
+              <a:fillRef idx="1">
+                <a:schemeClr val="accent1"/>
+              </a:fillRef>
+              <a:effectRef idx="0">
+                <a:srgbClr val="FFFFFF"/>
+              </a:effectRef>
+              <a:fontRef idx="minor">
+                <a:schemeClr val="lt1"/>
+              </a:fontRef>
+            </p:style>
+            <p:txBody>
+              <a:bodyPr rtlCol="0" anchor="ctr"/>
+              <a:p>
+                <a:pPr algn="ctr"/>
+                <a:endParaRPr lang="zh-CN" altLang="en-US"/>
+              </a:p>
+            </p:txBody>
+          </p:sp>
+          <p:sp>
+            <p:nvSpPr>
+              <p:cNvPr id="29" name="文本框 28"/>
+              <p:cNvSpPr txBox="1"/>
+              <p:nvPr/>
+            </p:nvSpPr>
+            <p:spPr>
+              <a:xfrm>
+                <a:off x="7833" y="2158"/>
+                <a:ext cx="2490" cy="306"/>
+              </a:xfrm>
+              <a:prstGeom prst="rect">
+                <a:avLst/>
+              </a:prstGeom>
+              <a:noFill/>
+            </p:spPr>
+            <p:txBody>
+              <a:bodyPr wrap="square" rtlCol="0">
+                <a:spAutoFit/>
+              </a:bodyPr>
+              <a:p>
+                <a:pPr algn="ctr"/>
+                <a:r>
+                  <a:rPr lang="en-US" altLang="zh-CN" sz="900"/>
+                  <a:t>video</a:t>
+                </a:r>
+                <a:endParaRPr lang="en-US" altLang="zh-CN" sz="900"/>
+              </a:p>
+            </p:txBody>
+          </p:sp>
+        </p:grpSp>
+        <p:cxnSp>
+          <p:nvCxnSpPr>
+            <p:cNvPr id="31" name="直接箭头连接符 30"/>
+            <p:cNvCxnSpPr>
+              <a:stCxn id="29" idx="2"/>
+            </p:cNvCxnSpPr>
+            <p:nvPr/>
+          </p:nvCxnSpPr>
+          <p:spPr>
+            <a:xfrm flipH="1">
+              <a:off x="8784" y="2346"/>
+              <a:ext cx="1" cy="508"/>
+            </a:xfrm>
+            <a:prstGeom prst="straightConnector1">
+              <a:avLst/>
+            </a:prstGeom>
+            <a:ln>
+              <a:solidFill>
+                <a:schemeClr val="tx1"/>
+              </a:solidFill>
+              <a:tailEnd type="arrow"/>
+            </a:ln>
+          </p:spPr>
+          <p:style>
+            <a:lnRef idx="2">
+              <a:schemeClr val="accent1"/>
+            </a:lnRef>
+            <a:fillRef idx="0">
+              <a:srgbClr val="FFFFFF"/>
+            </a:fillRef>
+            <a:effectRef idx="0">
+              <a:srgbClr val="FFFFFF"/>
+            </a:effectRef>
+            <a:fontRef idx="minor">
+              <a:schemeClr val="tx1"/>
+            </a:fontRef>
+          </p:style>
+        </p:cxnSp>
+        <p:sp>
+          <p:nvSpPr>
+            <p:cNvPr id="32" name="圆角矩形 31"/>
+            <p:cNvSpPr/>
+            <p:nvPr/>
+          </p:nvSpPr>
+          <p:spPr>
+            <a:xfrm>
+              <a:off x="6123" y="7544"/>
+              <a:ext cx="5829" cy="1837"/>
+            </a:xfrm>
+            <a:prstGeom prst="roundRect">
+              <a:avLst/>
+            </a:prstGeom>
+            <a:noFill/>
+          </p:spPr>
+          <p:style>
+            <a:lnRef idx="2">
+              <a:schemeClr val="accent1">
+                <a:lumMod val="75000"/>
+              </a:schemeClr>
+            </a:lnRef>
+            <a:fillRef idx="1">
+              <a:schemeClr val="accent1"/>
+            </a:fillRef>
+            <a:effectRef idx="0">
+              <a:srgbClr val="FFFFFF"/>
+            </a:effectRef>
+            <a:fontRef idx="minor">
+              <a:schemeClr val="lt1"/>
+            </a:fontRef>
+          </p:style>
+          <p:txBody>
+            <a:bodyPr rtlCol="0" anchor="ctr"/>
+            <a:p>
+              <a:pPr algn="ctr"/>
+              <a:endParaRPr lang="zh-CN" altLang="en-US"/>
+            </a:p>
+          </p:txBody>
+        </p:sp>
+        <p:pic>
+          <p:nvPicPr>
+            <p:cNvPr id="34" name="图片 33"/>
+            <p:cNvPicPr>
+              <a:picLocks noChangeAspect="1"/>
+            </p:cNvPicPr>
+            <p:nvPr/>
+          </p:nvPicPr>
+          <p:blipFill>
+            <a:blip r:embed="rId13"/>
+            <a:stretch>
+              <a:fillRect/>
+            </a:stretch>
+          </p:blipFill>
+          <p:spPr>
+            <a:xfrm>
+              <a:off x="8195" y="4204"/>
+              <a:ext cx="1178" cy="832"/>
+            </a:xfrm>
+            <a:prstGeom prst="rect">
+              <a:avLst/>
+            </a:prstGeom>
+          </p:spPr>
+        </p:pic>
+        <p:sp>
+          <p:nvSpPr>
+            <p:cNvPr id="35" name="圆角矩形 34"/>
+            <p:cNvSpPr/>
+            <p:nvPr/>
+          </p:nvSpPr>
+          <p:spPr>
+            <a:xfrm>
+              <a:off x="8031" y="4123"/>
+              <a:ext cx="1504" cy="992"/>
+            </a:xfrm>
+            <a:prstGeom prst="roundRect">
+              <a:avLst/>
+            </a:prstGeom>
+            <a:noFill/>
+            <a:ln>
+              <a:solidFill>
+                <a:schemeClr val="tx1"/>
+              </a:solidFill>
+            </a:ln>
           </p:spPr>
           <p:style>
             <a:lnRef idx="2">
@@ -5701,14 +5197,14 @@
         </p:sp>
         <p:sp>
           <p:nvSpPr>
-            <p:cNvPr id="51" name="文本框 50"/>
+            <p:cNvPr id="36" name="文本框 35"/>
             <p:cNvSpPr txBox="1"/>
             <p:nvPr/>
           </p:nvSpPr>
           <p:spPr>
             <a:xfrm>
-              <a:off x="7932" y="2417"/>
-              <a:ext cx="710" cy="362"/>
+              <a:off x="7539" y="5115"/>
+              <a:ext cx="2490" cy="306"/>
             </a:xfrm>
             <a:prstGeom prst="rect">
               <a:avLst/>
@@ -5723,446 +5219,541 @@
               <a:pPr algn="ctr"/>
               <a:r>
                 <a:rPr lang="en-US" altLang="zh-CN" sz="900"/>
-                <a:t>Test</a:t>
+                <a:t>LLM</a:t>
               </a:r>
               <a:endParaRPr lang="en-US" altLang="zh-CN" sz="900"/>
             </a:p>
           </p:txBody>
         </p:sp>
-      </p:grpSp>
-      <p:sp>
-        <p:nvSpPr>
-          <p:cNvPr id="55" name="圆角矩形 54"/>
-          <p:cNvSpPr/>
-          <p:nvPr/>
-        </p:nvSpPr>
-        <p:spPr>
-          <a:xfrm>
-            <a:off x="6533515" y="753745"/>
-            <a:ext cx="451485" cy="191135"/>
-          </a:xfrm>
-          <a:prstGeom prst="roundRect">
-            <a:avLst/>
-          </a:prstGeom>
-          <a:solidFill>
-            <a:schemeClr val="accent4">
-              <a:lumMod val="20000"/>
-              <a:lumOff val="80000"/>
-            </a:schemeClr>
-          </a:solidFill>
-        </p:spPr>
-        <p:style>
-          <a:lnRef idx="2">
-            <a:schemeClr val="accent1">
-              <a:lumMod val="75000"/>
-            </a:schemeClr>
-          </a:lnRef>
-          <a:fillRef idx="1">
-            <a:schemeClr val="accent1"/>
-          </a:fillRef>
-          <a:effectRef idx="0">
-            <a:srgbClr val="FFFFFF"/>
-          </a:effectRef>
-          <a:fontRef idx="minor">
-            <a:schemeClr val="lt1"/>
-          </a:fontRef>
-        </p:style>
-        <p:txBody>
-          <a:bodyPr rtlCol="0" anchor="ctr"/>
-          <a:p>
-            <a:pPr algn="ctr"/>
-            <a:endParaRPr lang="zh-CN" altLang="en-US"/>
-          </a:p>
-        </p:txBody>
-      </p:sp>
-      <p:sp>
-        <p:nvSpPr>
-          <p:cNvPr id="56" name="文本框 55"/>
-          <p:cNvSpPr txBox="1"/>
-          <p:nvPr/>
-        </p:nvSpPr>
-        <p:spPr>
-          <a:xfrm>
-            <a:off x="6533515" y="739140"/>
-            <a:ext cx="435610" cy="229870"/>
-          </a:xfrm>
-          <a:prstGeom prst="rect">
-            <a:avLst/>
-          </a:prstGeom>
-          <a:noFill/>
-        </p:spPr>
-        <p:txBody>
-          <a:bodyPr wrap="square" rtlCol="0">
-            <a:spAutoFit/>
-          </a:bodyPr>
-          <a:p>
-            <a:pPr algn="ctr"/>
-            <a:r>
-              <a:rPr lang="en-US" altLang="zh-CN" sz="900"/>
-              <a:t>Train</a:t>
-            </a:r>
-            <a:endParaRPr lang="en-US" altLang="zh-CN" sz="900"/>
-          </a:p>
-        </p:txBody>
-      </p:sp>
-      <p:sp>
-        <p:nvSpPr>
-          <p:cNvPr id="57" name="圆角矩形 56"/>
-          <p:cNvSpPr/>
-          <p:nvPr>
-            <p:custDataLst>
-              <p:tags r:id="rId25"/>
-            </p:custDataLst>
-          </p:nvPr>
-        </p:nvSpPr>
-        <p:spPr>
-          <a:xfrm>
-            <a:off x="7218680" y="827405"/>
-            <a:ext cx="737870" cy="320040"/>
-          </a:xfrm>
-          <a:prstGeom prst="roundRect">
-            <a:avLst/>
-          </a:prstGeom>
-          <a:noFill/>
-        </p:spPr>
-        <p:style>
-          <a:lnRef idx="2">
-            <a:schemeClr val="accent1">
-              <a:lumMod val="75000"/>
-            </a:schemeClr>
-          </a:lnRef>
-          <a:fillRef idx="1">
-            <a:schemeClr val="accent1"/>
-          </a:fillRef>
-          <a:effectRef idx="0">
-            <a:srgbClr val="FFFFFF"/>
-          </a:effectRef>
-          <a:fontRef idx="minor">
-            <a:schemeClr val="lt1"/>
-          </a:fontRef>
-        </p:style>
-        <p:txBody>
-          <a:bodyPr rtlCol="0" anchor="ctr"/>
-          <a:p>
-            <a:pPr algn="ctr"/>
-            <a:endParaRPr lang="zh-CN" altLang="en-US"/>
-          </a:p>
-        </p:txBody>
-      </p:sp>
-      <p:sp>
-        <p:nvSpPr>
-          <p:cNvPr id="58" name="文本框 57"/>
-          <p:cNvSpPr txBox="1"/>
-          <p:nvPr/>
-        </p:nvSpPr>
-        <p:spPr>
-          <a:xfrm>
-            <a:off x="7218680" y="873760"/>
-            <a:ext cx="824230" cy="226695"/>
-          </a:xfrm>
-          <a:prstGeom prst="rect">
-            <a:avLst/>
-          </a:prstGeom>
-          <a:noFill/>
-        </p:spPr>
-        <p:txBody>
-          <a:bodyPr wrap="square" rtlCol="0">
-            <a:noAutofit/>
-          </a:bodyPr>
-          <a:p>
-            <a:r>
-              <a:rPr lang="en-US" altLang="zh-CN" sz="1200"/>
-              <a:t>label:0/1</a:t>
-            </a:r>
-            <a:endParaRPr lang="en-US" altLang="zh-CN" sz="1200"/>
-          </a:p>
-        </p:txBody>
-      </p:sp>
-      <p:cxnSp>
-        <p:nvCxnSpPr>
-          <p:cNvPr id="59" name="肘形连接符 58"/>
-          <p:cNvCxnSpPr/>
-          <p:nvPr/>
-        </p:nvCxnSpPr>
-        <p:spPr>
-          <a:xfrm rot="5400000">
-            <a:off x="6332220" y="393065"/>
-            <a:ext cx="503555" cy="2011680"/>
-          </a:xfrm>
-          <a:prstGeom prst="bentConnector2">
-            <a:avLst/>
-          </a:prstGeom>
-          <a:ln>
-            <a:solidFill>
-              <a:schemeClr val="tx1"/>
-            </a:solidFill>
-            <a:tailEnd type="arrow"/>
-          </a:ln>
-        </p:spPr>
-        <p:style>
-          <a:lnRef idx="2">
-            <a:schemeClr val="accent1"/>
-          </a:lnRef>
-          <a:fillRef idx="0">
-            <a:srgbClr val="FFFFFF"/>
-          </a:fillRef>
-          <a:effectRef idx="0">
-            <a:srgbClr val="FFFFFF"/>
-          </a:effectRef>
-          <a:fontRef idx="minor">
-            <a:schemeClr val="tx1"/>
-          </a:fontRef>
-        </p:style>
-      </p:cxnSp>
-      <p:cxnSp>
-        <p:nvCxnSpPr>
-          <p:cNvPr id="60" name="肘形连接符 59"/>
-          <p:cNvCxnSpPr/>
-          <p:nvPr/>
-        </p:nvCxnSpPr>
-        <p:spPr>
-          <a:xfrm rot="5400000">
-            <a:off x="4942205" y="1815465"/>
-            <a:ext cx="3270250" cy="2038985"/>
-          </a:xfrm>
-          <a:prstGeom prst="bentConnector3">
-            <a:avLst>
-              <a:gd name="adj1" fmla="val 104009"/>
-            </a:avLst>
-          </a:prstGeom>
-          <a:ln>
-            <a:solidFill>
-              <a:schemeClr val="tx1"/>
-            </a:solidFill>
-            <a:tailEnd type="arrow"/>
-          </a:ln>
-        </p:spPr>
-        <p:style>
-          <a:lnRef idx="2">
-            <a:schemeClr val="accent1"/>
-          </a:lnRef>
-          <a:fillRef idx="0">
-            <a:srgbClr val="FFFFFF"/>
-          </a:fillRef>
-          <a:effectRef idx="0">
-            <a:srgbClr val="FFFFFF"/>
-          </a:effectRef>
-          <a:fontRef idx="minor">
-            <a:schemeClr val="tx1"/>
-          </a:fontRef>
-        </p:style>
-      </p:cxnSp>
-      <p:sp>
-        <p:nvSpPr>
-          <p:cNvPr id="62" name="圆角矩形 61"/>
-          <p:cNvSpPr/>
-          <p:nvPr/>
-        </p:nvSpPr>
-        <p:spPr>
-          <a:xfrm>
-            <a:off x="6332220" y="1425575"/>
-            <a:ext cx="451485" cy="191135"/>
-          </a:xfrm>
-          <a:prstGeom prst="roundRect">
-            <a:avLst/>
-          </a:prstGeom>
-          <a:solidFill>
-            <a:schemeClr val="accent4">
-              <a:lumMod val="20000"/>
-              <a:lumOff val="80000"/>
-            </a:schemeClr>
-          </a:solidFill>
-        </p:spPr>
-        <p:style>
-          <a:lnRef idx="2">
-            <a:schemeClr val="accent1">
-              <a:lumMod val="75000"/>
-            </a:schemeClr>
-          </a:lnRef>
-          <a:fillRef idx="1">
-            <a:schemeClr val="accent1"/>
-          </a:fillRef>
-          <a:effectRef idx="0">
-            <a:srgbClr val="FFFFFF"/>
-          </a:effectRef>
-          <a:fontRef idx="minor">
-            <a:schemeClr val="lt1"/>
-          </a:fontRef>
-        </p:style>
-        <p:txBody>
-          <a:bodyPr rtlCol="0" anchor="ctr"/>
-          <a:p>
-            <a:pPr algn="ctr"/>
-            <a:endParaRPr lang="zh-CN" altLang="en-US"/>
-          </a:p>
-        </p:txBody>
-      </p:sp>
-      <p:sp>
-        <p:nvSpPr>
-          <p:cNvPr id="63" name="文本框 62"/>
-          <p:cNvSpPr txBox="1"/>
-          <p:nvPr/>
-        </p:nvSpPr>
-        <p:spPr>
-          <a:xfrm>
-            <a:off x="6277610" y="1410970"/>
-            <a:ext cx="534670" cy="229870"/>
-          </a:xfrm>
-          <a:prstGeom prst="rect">
-            <a:avLst/>
-          </a:prstGeom>
-          <a:noFill/>
-        </p:spPr>
-        <p:txBody>
-          <a:bodyPr wrap="square" rtlCol="0">
-            <a:spAutoFit/>
-          </a:bodyPr>
-          <a:p>
-            <a:pPr algn="ctr"/>
-            <a:r>
-              <a:rPr lang="en-US" altLang="zh-CN" sz="900"/>
-              <a:t>label:1</a:t>
-            </a:r>
-            <a:endParaRPr lang="en-US" altLang="zh-CN" sz="900"/>
-          </a:p>
-        </p:txBody>
-      </p:sp>
-      <p:sp>
-        <p:nvSpPr>
-          <p:cNvPr id="65" name="圆角矩形 64"/>
-          <p:cNvSpPr/>
-          <p:nvPr/>
-        </p:nvSpPr>
-        <p:spPr>
-          <a:xfrm>
-            <a:off x="7690485" y="1718945"/>
-            <a:ext cx="451485" cy="191135"/>
-          </a:xfrm>
-          <a:prstGeom prst="roundRect">
-            <a:avLst/>
-          </a:prstGeom>
-          <a:solidFill>
-            <a:schemeClr val="accent4">
-              <a:lumMod val="20000"/>
-              <a:lumOff val="80000"/>
-            </a:schemeClr>
-          </a:solidFill>
-        </p:spPr>
-        <p:style>
-          <a:lnRef idx="2">
-            <a:schemeClr val="accent1">
-              <a:lumMod val="75000"/>
-            </a:schemeClr>
-          </a:lnRef>
-          <a:fillRef idx="1">
-            <a:schemeClr val="accent1"/>
-          </a:fillRef>
-          <a:effectRef idx="0">
-            <a:srgbClr val="FFFFFF"/>
-          </a:effectRef>
-          <a:fontRef idx="minor">
-            <a:schemeClr val="lt1"/>
-          </a:fontRef>
-        </p:style>
-        <p:txBody>
-          <a:bodyPr rtlCol="0" anchor="ctr"/>
-          <a:p>
-            <a:pPr algn="ctr"/>
-            <a:endParaRPr lang="zh-CN" altLang="en-US"/>
-          </a:p>
-        </p:txBody>
-      </p:sp>
-      <p:sp>
-        <p:nvSpPr>
-          <p:cNvPr id="66" name="文本框 65"/>
-          <p:cNvSpPr txBox="1"/>
-          <p:nvPr/>
-        </p:nvSpPr>
-        <p:spPr>
-          <a:xfrm>
-            <a:off x="7635875" y="1704340"/>
-            <a:ext cx="505460" cy="229870"/>
-          </a:xfrm>
-          <a:prstGeom prst="rect">
-            <a:avLst/>
-          </a:prstGeom>
-          <a:noFill/>
-        </p:spPr>
-        <p:txBody>
-          <a:bodyPr wrap="square" rtlCol="0">
-            <a:spAutoFit/>
-          </a:bodyPr>
-          <a:p>
-            <a:pPr algn="ctr"/>
-            <a:r>
-              <a:rPr lang="en-US" altLang="zh-CN" sz="900"/>
-              <a:t>label:0</a:t>
-            </a:r>
-            <a:endParaRPr lang="en-US" altLang="zh-CN" sz="900"/>
-          </a:p>
-        </p:txBody>
-      </p:sp>
-      <p:sp>
-        <p:nvSpPr>
-          <p:cNvPr id="67" name="右大括号 66"/>
-          <p:cNvSpPr/>
-          <p:nvPr/>
-        </p:nvSpPr>
-        <p:spPr>
-          <a:xfrm>
-            <a:off x="7093585" y="1941195"/>
-            <a:ext cx="114300" cy="422910"/>
-          </a:xfrm>
-          <a:prstGeom prst="rightBrace">
-            <a:avLst/>
-          </a:prstGeom>
-        </p:spPr>
-        <p:style>
-          <a:lnRef idx="2">
-            <a:schemeClr val="accent1"/>
-          </a:lnRef>
-          <a:fillRef idx="0">
-            <a:srgbClr val="FFFFFF"/>
-          </a:fillRef>
-          <a:effectRef idx="0">
-            <a:srgbClr val="FFFFFF"/>
-          </a:effectRef>
-          <a:fontRef idx="minor">
-            <a:schemeClr val="tx1"/>
-          </a:fontRef>
-        </p:style>
-        <p:txBody>
-          <a:bodyPr rtlCol="0" anchor="ctr"/>
-          <a:p>
-            <a:pPr algn="ctr"/>
-            <a:endParaRPr lang="zh-CN" altLang="en-US"/>
-          </a:p>
-        </p:txBody>
-      </p:sp>
-      <p:grpSp>
-        <p:nvGrpSpPr>
-          <p:cNvPr id="73" name="组合 72"/>
-          <p:cNvGrpSpPr/>
-          <p:nvPr/>
-        </p:nvGrpSpPr>
-        <p:grpSpPr>
-          <a:xfrm>
-            <a:off x="7218680" y="2049145"/>
-            <a:ext cx="482600" cy="171450"/>
-            <a:chOff x="11368" y="3227"/>
-            <a:chExt cx="760" cy="270"/>
-          </a:xfrm>
-        </p:grpSpPr>
+        <p:pic>
+          <p:nvPicPr>
+            <p:cNvPr id="37" name="图片 36" descr="PB03900001"/>
+            <p:cNvPicPr>
+              <a:picLocks noChangeAspect="1"/>
+            </p:cNvPicPr>
+            <p:nvPr>
+              <p:custDataLst>
+                <p:tags r:id="rId14"/>
+              </p:custDataLst>
+            </p:nvPr>
+          </p:nvPicPr>
+          <p:blipFill>
+            <a:blip r:embed="rId3"/>
+            <a:stretch>
+              <a:fillRect/>
+            </a:stretch>
+          </p:blipFill>
+          <p:spPr>
+            <a:xfrm>
+              <a:off x="7699" y="5556"/>
+              <a:ext cx="694" cy="692"/>
+            </a:xfrm>
+            <a:prstGeom prst="rect">
+              <a:avLst/>
+            </a:prstGeom>
+          </p:spPr>
+        </p:pic>
+        <p:pic>
+          <p:nvPicPr>
+            <p:cNvPr id="38" name="图片 37" descr="PB03900001"/>
+            <p:cNvPicPr>
+              <a:picLocks noChangeAspect="1"/>
+            </p:cNvPicPr>
+            <p:nvPr>
+              <p:custDataLst>
+                <p:tags r:id="rId15"/>
+              </p:custDataLst>
+            </p:nvPr>
+          </p:nvPicPr>
+          <p:blipFill>
+            <a:blip r:embed="rId3"/>
+            <a:stretch>
+              <a:fillRect/>
+            </a:stretch>
+          </p:blipFill>
+          <p:spPr>
+            <a:xfrm>
+              <a:off x="8393" y="5557"/>
+              <a:ext cx="694" cy="692"/>
+            </a:xfrm>
+            <a:prstGeom prst="rect">
+              <a:avLst/>
+            </a:prstGeom>
+          </p:spPr>
+        </p:pic>
+        <p:pic>
+          <p:nvPicPr>
+            <p:cNvPr id="39" name="图片 38" descr="PB03900001"/>
+            <p:cNvPicPr>
+              <a:picLocks noChangeAspect="1"/>
+            </p:cNvPicPr>
+            <p:nvPr>
+              <p:custDataLst>
+                <p:tags r:id="rId16"/>
+              </p:custDataLst>
+            </p:nvPr>
+          </p:nvPicPr>
+          <p:blipFill>
+            <a:blip r:embed="rId3"/>
+            <a:stretch>
+              <a:fillRect/>
+            </a:stretch>
+          </p:blipFill>
+          <p:spPr>
+            <a:xfrm>
+              <a:off x="9087" y="5556"/>
+              <a:ext cx="694" cy="692"/>
+            </a:xfrm>
+            <a:prstGeom prst="rect">
+              <a:avLst/>
+            </a:prstGeom>
+          </p:spPr>
+        </p:pic>
+        <p:pic>
+          <p:nvPicPr>
+            <p:cNvPr id="40" name="图片 39" descr="PB03900038"/>
+            <p:cNvPicPr>
+              <a:picLocks noChangeAspect="1"/>
+            </p:cNvPicPr>
+            <p:nvPr>
+              <p:custDataLst>
+                <p:tags r:id="rId17"/>
+              </p:custDataLst>
+            </p:nvPr>
+          </p:nvPicPr>
+          <p:blipFill>
+            <a:blip r:embed="rId9">
+              <a:alphaModFix amt="50000"/>
+            </a:blip>
+            <a:stretch>
+              <a:fillRect/>
+            </a:stretch>
+          </p:blipFill>
+          <p:spPr>
+            <a:xfrm>
+              <a:off x="6577" y="5556"/>
+              <a:ext cx="693" cy="693"/>
+            </a:xfrm>
+            <a:prstGeom prst="rect">
+              <a:avLst/>
+            </a:prstGeom>
+          </p:spPr>
+        </p:pic>
         <p:sp>
           <p:nvSpPr>
-            <p:cNvPr id="70" name="圆角矩形 69"/>
+            <p:cNvPr id="41" name="文本框 40"/>
+            <p:cNvSpPr txBox="1"/>
+            <p:nvPr>
+              <p:custDataLst>
+                <p:tags r:id="rId18"/>
+              </p:custDataLst>
+            </p:nvPr>
+          </p:nvSpPr>
+          <p:spPr>
+            <a:xfrm>
+              <a:off x="7269" y="5679"/>
+              <a:ext cx="430" cy="306"/>
+            </a:xfrm>
+            <a:prstGeom prst="rect">
+              <a:avLst/>
+            </a:prstGeom>
+            <a:noFill/>
+          </p:spPr>
+          <p:txBody>
+            <a:bodyPr wrap="square" rtlCol="0">
+              <a:spAutoFit/>
+            </a:bodyPr>
+            <a:p>
+              <a:pPr algn="ctr"/>
+              <a:r>
+                <a:rPr lang="en-US" altLang="zh-CN" sz="900"/>
+                <a:t>...</a:t>
+              </a:r>
+              <a:endParaRPr lang="en-US" altLang="zh-CN" sz="900"/>
+            </a:p>
+          </p:txBody>
+        </p:sp>
+        <p:sp>
+          <p:nvSpPr>
+            <p:cNvPr id="42" name="文本框 41"/>
+            <p:cNvSpPr txBox="1"/>
+            <p:nvPr>
+              <p:custDataLst>
+                <p:tags r:id="rId19"/>
+              </p:custDataLst>
+            </p:nvPr>
+          </p:nvSpPr>
+          <p:spPr>
+            <a:xfrm>
+              <a:off x="9818" y="5722"/>
+              <a:ext cx="430" cy="306"/>
+            </a:xfrm>
+            <a:prstGeom prst="rect">
+              <a:avLst/>
+            </a:prstGeom>
+            <a:noFill/>
+          </p:spPr>
+          <p:txBody>
+            <a:bodyPr wrap="square" rtlCol="0">
+              <a:spAutoFit/>
+            </a:bodyPr>
+            <a:p>
+              <a:pPr algn="ctr"/>
+              <a:r>
+                <a:rPr lang="en-US" altLang="zh-CN" sz="900"/>
+                <a:t>...</a:t>
+              </a:r>
+              <a:endParaRPr lang="en-US" altLang="zh-CN" sz="900"/>
+            </a:p>
+          </p:txBody>
+        </p:sp>
+        <p:pic>
+          <p:nvPicPr>
+            <p:cNvPr id="43" name="图片 42" descr="PB03900038"/>
+            <p:cNvPicPr>
+              <a:picLocks noChangeAspect="1"/>
+            </p:cNvPicPr>
+            <p:nvPr>
+              <p:custDataLst>
+                <p:tags r:id="rId20"/>
+              </p:custDataLst>
+            </p:nvPr>
+          </p:nvPicPr>
+          <p:blipFill>
+            <a:blip r:embed="rId9">
+              <a:alphaModFix amt="50000"/>
+            </a:blip>
+            <a:stretch>
+              <a:fillRect/>
+            </a:stretch>
+          </p:blipFill>
+          <p:spPr>
+            <a:xfrm>
+              <a:off x="10210" y="5557"/>
+              <a:ext cx="693" cy="693"/>
+            </a:xfrm>
+            <a:prstGeom prst="rect">
+              <a:avLst/>
+            </a:prstGeom>
+          </p:spPr>
+        </p:pic>
+        <p:pic>
+          <p:nvPicPr>
+            <p:cNvPr id="44" name="图片 43" descr="PB03900038"/>
+            <p:cNvPicPr>
+              <a:picLocks noChangeAspect="1"/>
+            </p:cNvPicPr>
+            <p:nvPr>
+              <p:custDataLst>
+                <p:tags r:id="rId21"/>
+              </p:custDataLst>
+            </p:nvPr>
+          </p:nvPicPr>
+          <p:blipFill>
+            <a:blip r:embed="rId9"/>
+            <a:stretch>
+              <a:fillRect/>
+            </a:stretch>
+          </p:blipFill>
+          <p:spPr>
+            <a:xfrm>
+              <a:off x="6969" y="3044"/>
+              <a:ext cx="693" cy="693"/>
+            </a:xfrm>
+            <a:prstGeom prst="rect">
+              <a:avLst/>
+            </a:prstGeom>
+          </p:spPr>
+        </p:pic>
+        <p:pic>
+          <p:nvPicPr>
+            <p:cNvPr id="45" name="图片 44" descr="PB03900038"/>
+            <p:cNvPicPr>
+              <a:picLocks noChangeAspect="1"/>
+            </p:cNvPicPr>
+            <p:nvPr>
+              <p:custDataLst>
+                <p:tags r:id="rId22"/>
+              </p:custDataLst>
+            </p:nvPr>
+          </p:nvPicPr>
+          <p:blipFill>
+            <a:blip r:embed="rId9"/>
+            <a:stretch>
+              <a:fillRect/>
+            </a:stretch>
+          </p:blipFill>
+          <p:spPr>
+            <a:xfrm>
+              <a:off x="9744" y="3046"/>
+              <a:ext cx="693" cy="693"/>
+            </a:xfrm>
+            <a:prstGeom prst="rect">
+              <a:avLst/>
+            </a:prstGeom>
+          </p:spPr>
+        </p:pic>
+        <p:pic>
+          <p:nvPicPr>
+            <p:cNvPr id="46" name="图片 45" descr="PB03900038"/>
+            <p:cNvPicPr>
+              <a:picLocks noChangeAspect="1"/>
+            </p:cNvPicPr>
+            <p:nvPr>
+              <p:custDataLst>
+                <p:tags r:id="rId23"/>
+              </p:custDataLst>
+            </p:nvPr>
+          </p:nvPicPr>
+          <p:blipFill>
+            <a:blip r:embed="rId9"/>
+            <a:stretch>
+              <a:fillRect/>
+            </a:stretch>
+          </p:blipFill>
+          <p:spPr>
+            <a:xfrm>
+              <a:off x="10438" y="3046"/>
+              <a:ext cx="693" cy="693"/>
+            </a:xfrm>
+            <a:prstGeom prst="rect">
+              <a:avLst/>
+            </a:prstGeom>
+          </p:spPr>
+        </p:pic>
+        <p:pic>
+          <p:nvPicPr>
+            <p:cNvPr id="47" name="图片 46" descr="PB03900038"/>
+            <p:cNvPicPr>
+              <a:picLocks noChangeAspect="1"/>
+            </p:cNvPicPr>
+            <p:nvPr>
+              <p:custDataLst>
+                <p:tags r:id="rId24"/>
+              </p:custDataLst>
+            </p:nvPr>
+          </p:nvPicPr>
+          <p:blipFill>
+            <a:blip r:embed="rId9"/>
+            <a:stretch>
+              <a:fillRect/>
+            </a:stretch>
+          </p:blipFill>
+          <p:spPr>
+            <a:xfrm>
+              <a:off x="6275" y="3044"/>
+              <a:ext cx="693" cy="693"/>
+            </a:xfrm>
+            <a:prstGeom prst="rect">
+              <a:avLst/>
+            </a:prstGeom>
+          </p:spPr>
+        </p:pic>
+        <p:cxnSp>
+          <p:nvCxnSpPr>
+            <p:cNvPr id="48" name="直接箭头连接符 47"/>
+            <p:cNvCxnSpPr/>
+            <p:nvPr/>
+          </p:nvCxnSpPr>
+          <p:spPr>
+            <a:xfrm flipH="1">
+              <a:off x="8782" y="3792"/>
+              <a:ext cx="3" cy="272"/>
+            </a:xfrm>
+            <a:prstGeom prst="straightConnector1">
+              <a:avLst/>
+            </a:prstGeom>
+            <a:ln>
+              <a:solidFill>
+                <a:schemeClr val="tx1"/>
+              </a:solidFill>
+              <a:tailEnd type="arrow"/>
+            </a:ln>
+          </p:spPr>
+          <p:style>
+            <a:lnRef idx="2">
+              <a:schemeClr val="accent1"/>
+            </a:lnRef>
+            <a:fillRef idx="0">
+              <a:srgbClr val="FFFFFF"/>
+            </a:fillRef>
+            <a:effectRef idx="0">
+              <a:srgbClr val="FFFFFF"/>
+            </a:effectRef>
+            <a:fontRef idx="minor">
+              <a:schemeClr val="tx1"/>
+            </a:fontRef>
+          </p:style>
+        </p:cxnSp>
+        <p:cxnSp>
+          <p:nvCxnSpPr>
+            <p:cNvPr id="49" name="直接箭头连接符 48"/>
+            <p:cNvCxnSpPr/>
+            <p:nvPr/>
+          </p:nvCxnSpPr>
+          <p:spPr>
+            <a:xfrm flipH="1">
+              <a:off x="8740" y="5370"/>
+              <a:ext cx="2" cy="161"/>
+            </a:xfrm>
+            <a:prstGeom prst="straightConnector1">
+              <a:avLst/>
+            </a:prstGeom>
+            <a:ln>
+              <a:solidFill>
+                <a:schemeClr val="tx1"/>
+              </a:solidFill>
+              <a:tailEnd type="arrow"/>
+            </a:ln>
+          </p:spPr>
+          <p:style>
+            <a:lnRef idx="2">
+              <a:schemeClr val="accent1"/>
+            </a:lnRef>
+            <a:fillRef idx="0">
+              <a:srgbClr val="FFFFFF"/>
+            </a:fillRef>
+            <a:effectRef idx="0">
+              <a:srgbClr val="FFFFFF"/>
+            </a:effectRef>
+            <a:fontRef idx="minor">
+              <a:schemeClr val="tx1"/>
+            </a:fontRef>
+          </p:style>
+        </p:cxnSp>
+        <p:cxnSp>
+          <p:nvCxnSpPr>
+            <p:cNvPr id="50" name="直接箭头连接符 49"/>
+            <p:cNvCxnSpPr/>
+            <p:nvPr/>
+          </p:nvCxnSpPr>
+          <p:spPr>
+            <a:xfrm>
+              <a:off x="9917" y="1526"/>
+              <a:ext cx="1451" cy="6"/>
+            </a:xfrm>
+            <a:prstGeom prst="straightConnector1">
+              <a:avLst/>
+            </a:prstGeom>
+            <a:ln>
+              <a:solidFill>
+                <a:schemeClr val="tx1"/>
+              </a:solidFill>
+              <a:tailEnd type="arrow"/>
+            </a:ln>
+          </p:spPr>
+          <p:style>
+            <a:lnRef idx="2">
+              <a:schemeClr val="accent1"/>
+            </a:lnRef>
+            <a:fillRef idx="0">
+              <a:srgbClr val="FFFFFF"/>
+            </a:fillRef>
+            <a:effectRef idx="0">
+              <a:srgbClr val="FFFFFF"/>
+            </a:effectRef>
+            <a:fontRef idx="minor">
+              <a:schemeClr val="tx1"/>
+            </a:fontRef>
+          </p:style>
+        </p:cxnSp>
+        <p:grpSp>
+          <p:nvGrpSpPr>
+            <p:cNvPr id="53" name="组合 52"/>
+            <p:cNvGrpSpPr/>
+            <p:nvPr/>
+          </p:nvGrpSpPr>
+          <p:grpSpPr>
+            <a:xfrm>
+              <a:off x="7772" y="2384"/>
+              <a:ext cx="711" cy="324"/>
+              <a:chOff x="7932" y="2417"/>
+              <a:chExt cx="711" cy="324"/>
+            </a:xfrm>
+          </p:grpSpPr>
+          <p:sp>
+            <p:nvSpPr>
+              <p:cNvPr id="52" name="圆角矩形 51"/>
+              <p:cNvSpPr/>
+              <p:nvPr/>
+            </p:nvSpPr>
+            <p:spPr>
+              <a:xfrm>
+                <a:off x="7932" y="2440"/>
+                <a:ext cx="711" cy="301"/>
+              </a:xfrm>
+              <a:prstGeom prst="roundRect">
+                <a:avLst/>
+              </a:prstGeom>
+              <a:solidFill>
+                <a:schemeClr val="bg2"/>
+              </a:solidFill>
+            </p:spPr>
+            <p:style>
+              <a:lnRef idx="2">
+                <a:schemeClr val="accent1">
+                  <a:lumMod val="75000"/>
+                </a:schemeClr>
+              </a:lnRef>
+              <a:fillRef idx="1">
+                <a:schemeClr val="accent1"/>
+              </a:fillRef>
+              <a:effectRef idx="0">
+                <a:srgbClr val="FFFFFF"/>
+              </a:effectRef>
+              <a:fontRef idx="minor">
+                <a:schemeClr val="lt1"/>
+              </a:fontRef>
+            </p:style>
+            <p:txBody>
+              <a:bodyPr rtlCol="0" anchor="ctr"/>
+              <a:p>
+                <a:pPr algn="ctr"/>
+                <a:endParaRPr lang="zh-CN" altLang="en-US"/>
+              </a:p>
+            </p:txBody>
+          </p:sp>
+          <p:sp>
+            <p:nvSpPr>
+              <p:cNvPr id="51" name="文本框 50"/>
+              <p:cNvSpPr txBox="1"/>
+              <p:nvPr/>
+            </p:nvSpPr>
+            <p:spPr>
+              <a:xfrm>
+                <a:off x="7932" y="2417"/>
+                <a:ext cx="710" cy="306"/>
+              </a:xfrm>
+              <a:prstGeom prst="rect">
+                <a:avLst/>
+              </a:prstGeom>
+              <a:noFill/>
+            </p:spPr>
+            <p:txBody>
+              <a:bodyPr wrap="square" rtlCol="0">
+                <a:spAutoFit/>
+              </a:bodyPr>
+              <a:p>
+                <a:pPr algn="ctr"/>
+                <a:r>
+                  <a:rPr lang="en-US" altLang="zh-CN" sz="900"/>
+                  <a:t>Test</a:t>
+                </a:r>
+                <a:endParaRPr lang="en-US" altLang="zh-CN" sz="900"/>
+              </a:p>
+            </p:txBody>
+          </p:sp>
+        </p:grpSp>
+        <p:sp>
+          <p:nvSpPr>
+            <p:cNvPr id="55" name="圆角矩形 54"/>
             <p:cNvSpPr/>
             <p:nvPr/>
           </p:nvSpPr>
           <p:spPr>
             <a:xfrm>
-              <a:off x="11426" y="3289"/>
-              <a:ext cx="630" cy="209"/>
+              <a:off x="10289" y="1187"/>
+              <a:ext cx="711" cy="301"/>
             </a:xfrm>
             <a:prstGeom prst="roundRect">
               <a:avLst/>
@@ -6200,14 +5791,88 @@
         </p:sp>
         <p:sp>
           <p:nvSpPr>
-            <p:cNvPr id="71" name="文本框 70"/>
+            <p:cNvPr id="56" name="文本框 55"/>
             <p:cNvSpPr txBox="1"/>
             <p:nvPr/>
           </p:nvSpPr>
           <p:spPr>
             <a:xfrm>
-              <a:off x="11368" y="3227"/>
-              <a:ext cx="760" cy="231"/>
+              <a:off x="10289" y="1164"/>
+              <a:ext cx="686" cy="306"/>
+            </a:xfrm>
+            <a:prstGeom prst="rect">
+              <a:avLst/>
+            </a:prstGeom>
+            <a:noFill/>
+          </p:spPr>
+          <p:txBody>
+            <a:bodyPr wrap="square" rtlCol="0">
+              <a:spAutoFit/>
+            </a:bodyPr>
+            <a:p>
+              <a:pPr algn="ctr"/>
+              <a:r>
+                <a:rPr lang="en-US" altLang="zh-CN" sz="900"/>
+                <a:t>Train</a:t>
+              </a:r>
+              <a:endParaRPr lang="en-US" altLang="zh-CN" sz="900"/>
+            </a:p>
+          </p:txBody>
+        </p:sp>
+        <p:sp>
+          <p:nvSpPr>
+            <p:cNvPr id="57" name="圆角矩形 56"/>
+            <p:cNvSpPr/>
+            <p:nvPr>
+              <p:custDataLst>
+                <p:tags r:id="rId25"/>
+              </p:custDataLst>
+            </p:nvPr>
+          </p:nvSpPr>
+          <p:spPr>
+            <a:xfrm>
+              <a:off x="11368" y="1303"/>
+              <a:ext cx="1162" cy="504"/>
+            </a:xfrm>
+            <a:prstGeom prst="roundRect">
+              <a:avLst/>
+            </a:prstGeom>
+            <a:noFill/>
+          </p:spPr>
+          <p:style>
+            <a:lnRef idx="2">
+              <a:schemeClr val="accent1">
+                <a:lumMod val="75000"/>
+              </a:schemeClr>
+            </a:lnRef>
+            <a:fillRef idx="1">
+              <a:schemeClr val="accent1"/>
+            </a:fillRef>
+            <a:effectRef idx="0">
+              <a:srgbClr val="FFFFFF"/>
+            </a:effectRef>
+            <a:fontRef idx="minor">
+              <a:schemeClr val="lt1"/>
+            </a:fontRef>
+          </p:style>
+          <p:txBody>
+            <a:bodyPr rtlCol="0" anchor="ctr"/>
+            <a:p>
+              <a:pPr algn="ctr"/>
+              <a:endParaRPr lang="zh-CN" altLang="en-US"/>
+            </a:p>
+          </p:txBody>
+        </p:sp>
+        <p:sp>
+          <p:nvSpPr>
+            <p:cNvPr id="58" name="文本框 57"/>
+            <p:cNvSpPr txBox="1"/>
+            <p:nvPr/>
+          </p:nvSpPr>
+          <p:spPr>
+            <a:xfrm>
+              <a:off x="11368" y="1376"/>
+              <a:ext cx="1298" cy="357"/>
             </a:xfrm>
             <a:prstGeom prst="rect">
               <a:avLst/>
@@ -6219,40 +5884,98 @@
               <a:noAutofit/>
             </a:bodyPr>
             <a:p>
-              <a:pPr algn="ctr"/>
               <a:r>
-                <a:rPr lang="en-US" altLang="zh-CN" sz="800"/>
-                <a:t>label:1</a:t>
+                <a:rPr lang="en-US" altLang="zh-CN" sz="1200"/>
+                <a:t>label:0/1</a:t>
               </a:r>
-              <a:endParaRPr lang="en-US" altLang="zh-CN" sz="800"/>
+              <a:endParaRPr lang="en-US" altLang="zh-CN" sz="1200"/>
             </a:p>
           </p:txBody>
         </p:sp>
-      </p:grpSp>
-      <p:grpSp>
-        <p:nvGrpSpPr>
-          <p:cNvPr id="74" name="组合 73"/>
-          <p:cNvGrpSpPr/>
-          <p:nvPr/>
-        </p:nvGrpSpPr>
-        <p:grpSpPr>
-          <a:xfrm>
-            <a:off x="5329555" y="4045585"/>
-            <a:ext cx="482600" cy="171450"/>
-            <a:chOff x="11368" y="3227"/>
-            <a:chExt cx="760" cy="270"/>
-          </a:xfrm>
-        </p:grpSpPr>
+        <p:cxnSp>
+          <p:nvCxnSpPr>
+            <p:cNvPr id="59" name="肘形连接符 58"/>
+            <p:cNvCxnSpPr/>
+            <p:nvPr/>
+          </p:nvCxnSpPr>
+          <p:spPr>
+            <a:xfrm rot="5400000">
+              <a:off x="9972" y="619"/>
+              <a:ext cx="793" cy="3168"/>
+            </a:xfrm>
+            <a:prstGeom prst="bentConnector2">
+              <a:avLst/>
+            </a:prstGeom>
+            <a:ln>
+              <a:solidFill>
+                <a:schemeClr val="tx1"/>
+              </a:solidFill>
+              <a:tailEnd type="arrow"/>
+            </a:ln>
+          </p:spPr>
+          <p:style>
+            <a:lnRef idx="2">
+              <a:schemeClr val="accent1"/>
+            </a:lnRef>
+            <a:fillRef idx="0">
+              <a:srgbClr val="FFFFFF"/>
+            </a:fillRef>
+            <a:effectRef idx="0">
+              <a:srgbClr val="FFFFFF"/>
+            </a:effectRef>
+            <a:fontRef idx="minor">
+              <a:schemeClr val="tx1"/>
+            </a:fontRef>
+          </p:style>
+        </p:cxnSp>
+        <p:cxnSp>
+          <p:nvCxnSpPr>
+            <p:cNvPr id="60" name="肘形连接符 59"/>
+            <p:cNvCxnSpPr/>
+            <p:nvPr/>
+          </p:nvCxnSpPr>
+          <p:spPr>
+            <a:xfrm rot="5400000">
+              <a:off x="7783" y="2859"/>
+              <a:ext cx="5150" cy="3211"/>
+            </a:xfrm>
+            <a:prstGeom prst="bentConnector3">
+              <a:avLst>
+                <a:gd name="adj1" fmla="val 104009"/>
+              </a:avLst>
+            </a:prstGeom>
+            <a:ln>
+              <a:solidFill>
+                <a:schemeClr val="tx1"/>
+              </a:solidFill>
+              <a:tailEnd type="arrow"/>
+            </a:ln>
+          </p:spPr>
+          <p:style>
+            <a:lnRef idx="2">
+              <a:schemeClr val="accent1"/>
+            </a:lnRef>
+            <a:fillRef idx="0">
+              <a:srgbClr val="FFFFFF"/>
+            </a:fillRef>
+            <a:effectRef idx="0">
+              <a:srgbClr val="FFFFFF"/>
+            </a:effectRef>
+            <a:fontRef idx="minor">
+              <a:schemeClr val="tx1"/>
+            </a:fontRef>
+          </p:style>
+        </p:cxnSp>
         <p:sp>
           <p:nvSpPr>
-            <p:cNvPr id="75" name="圆角矩形 74"/>
+            <p:cNvPr id="62" name="圆角矩形 61"/>
             <p:cNvSpPr/>
             <p:nvPr/>
           </p:nvSpPr>
           <p:spPr>
             <a:xfrm>
-              <a:off x="11426" y="3289"/>
-              <a:ext cx="630" cy="209"/>
+              <a:off x="9972" y="2245"/>
+              <a:ext cx="711" cy="301"/>
             </a:xfrm>
             <a:prstGeom prst="roundRect">
               <a:avLst/>
@@ -6290,14 +6013,14 @@
         </p:sp>
         <p:sp>
           <p:nvSpPr>
-            <p:cNvPr id="76" name="文本框 75"/>
+            <p:cNvPr id="63" name="文本框 62"/>
             <p:cNvSpPr txBox="1"/>
             <p:nvPr/>
           </p:nvSpPr>
           <p:spPr>
             <a:xfrm>
-              <a:off x="11368" y="3227"/>
-              <a:ext cx="760" cy="231"/>
+              <a:off x="9886" y="2222"/>
+              <a:ext cx="842" cy="306"/>
             </a:xfrm>
             <a:prstGeom prst="rect">
               <a:avLst/>
@@ -6306,43 +6029,28 @@
           </p:spPr>
           <p:txBody>
             <a:bodyPr wrap="square" rtlCol="0">
-              <a:noAutofit/>
+              <a:spAutoFit/>
             </a:bodyPr>
             <a:p>
               <a:pPr algn="ctr"/>
               <a:r>
-                <a:rPr lang="en-US" altLang="zh-CN" sz="800"/>
+                <a:rPr lang="en-US" altLang="zh-CN" sz="900"/>
                 <a:t>label:1</a:t>
               </a:r>
-              <a:endParaRPr lang="en-US" altLang="zh-CN" sz="800"/>
+              <a:endParaRPr lang="en-US" altLang="zh-CN" sz="900"/>
             </a:p>
           </p:txBody>
         </p:sp>
-      </p:grpSp>
-      <p:grpSp>
-        <p:nvGrpSpPr>
-          <p:cNvPr id="77" name="组合 76"/>
-          <p:cNvGrpSpPr/>
-          <p:nvPr/>
-        </p:nvGrpSpPr>
-        <p:grpSpPr>
-          <a:xfrm>
-            <a:off x="4159250" y="4025900"/>
-            <a:ext cx="482600" cy="171450"/>
-            <a:chOff x="11368" y="3227"/>
-            <a:chExt cx="760" cy="270"/>
-          </a:xfrm>
-        </p:grpSpPr>
         <p:sp>
           <p:nvSpPr>
-            <p:cNvPr id="78" name="圆角矩形 77"/>
+            <p:cNvPr id="65" name="圆角矩形 64"/>
             <p:cNvSpPr/>
             <p:nvPr/>
           </p:nvSpPr>
           <p:spPr>
             <a:xfrm>
-              <a:off x="11426" y="3289"/>
-              <a:ext cx="630" cy="209"/>
+              <a:off x="12111" y="2707"/>
+              <a:ext cx="711" cy="301"/>
             </a:xfrm>
             <a:prstGeom prst="roundRect">
               <a:avLst/>
@@ -6380,14 +6088,14 @@
         </p:sp>
         <p:sp>
           <p:nvSpPr>
-            <p:cNvPr id="79" name="文本框 78"/>
+            <p:cNvPr id="66" name="文本框 65"/>
             <p:cNvSpPr txBox="1"/>
             <p:nvPr/>
           </p:nvSpPr>
           <p:spPr>
             <a:xfrm>
-              <a:off x="11368" y="3227"/>
-              <a:ext cx="760" cy="231"/>
+              <a:off x="12025" y="2684"/>
+              <a:ext cx="796" cy="306"/>
             </a:xfrm>
             <a:prstGeom prst="rect">
               <a:avLst/>
@@ -6396,53 +6104,642 @@
           </p:spPr>
           <p:txBody>
             <a:bodyPr wrap="square" rtlCol="0">
-              <a:noAutofit/>
+              <a:spAutoFit/>
             </a:bodyPr>
             <a:p>
               <a:pPr algn="ctr"/>
               <a:r>
-                <a:rPr lang="en-US" altLang="zh-CN" sz="800"/>
+                <a:rPr lang="en-US" altLang="zh-CN" sz="900"/>
                 <a:t>label:0</a:t>
               </a:r>
-              <a:endParaRPr lang="en-US" altLang="zh-CN" sz="800"/>
+              <a:endParaRPr lang="en-US" altLang="zh-CN" sz="900"/>
             </a:p>
           </p:txBody>
         </p:sp>
-      </p:grpSp>
-      <p:grpSp>
-        <p:nvGrpSpPr>
-          <p:cNvPr id="80" name="组合 79"/>
-          <p:cNvGrpSpPr/>
-          <p:nvPr/>
-        </p:nvGrpSpPr>
-        <p:grpSpPr>
-          <a:xfrm>
-            <a:off x="6486525" y="4045585"/>
-            <a:ext cx="482600" cy="171450"/>
-            <a:chOff x="11368" y="3227"/>
-            <a:chExt cx="760" cy="270"/>
-          </a:xfrm>
-        </p:grpSpPr>
         <p:sp>
           <p:nvSpPr>
-            <p:cNvPr id="81" name="圆角矩形 80"/>
+            <p:cNvPr id="67" name="右大括号 66"/>
             <p:cNvSpPr/>
             <p:nvPr/>
           </p:nvSpPr>
           <p:spPr>
             <a:xfrm>
-              <a:off x="11426" y="3289"/>
-              <a:ext cx="630" cy="209"/>
+              <a:off x="11171" y="3057"/>
+              <a:ext cx="180" cy="666"/>
+            </a:xfrm>
+            <a:prstGeom prst="rightBrace">
+              <a:avLst/>
+            </a:prstGeom>
+          </p:spPr>
+          <p:style>
+            <a:lnRef idx="2">
+              <a:schemeClr val="accent1"/>
+            </a:lnRef>
+            <a:fillRef idx="0">
+              <a:srgbClr val="FFFFFF"/>
+            </a:fillRef>
+            <a:effectRef idx="0">
+              <a:srgbClr val="FFFFFF"/>
+            </a:effectRef>
+            <a:fontRef idx="minor">
+              <a:schemeClr val="tx1"/>
+            </a:fontRef>
+          </p:style>
+          <p:txBody>
+            <a:bodyPr rtlCol="0" anchor="ctr"/>
+            <a:p>
+              <a:pPr algn="ctr"/>
+              <a:endParaRPr lang="zh-CN" altLang="en-US"/>
+            </a:p>
+          </p:txBody>
+        </p:sp>
+        <p:grpSp>
+          <p:nvGrpSpPr>
+            <p:cNvPr id="73" name="组合 72"/>
+            <p:cNvGrpSpPr/>
+            <p:nvPr/>
+          </p:nvGrpSpPr>
+          <p:grpSpPr>
+            <a:xfrm>
+              <a:off x="11368" y="3227"/>
+              <a:ext cx="760" cy="270"/>
+              <a:chOff x="11368" y="3227"/>
+              <a:chExt cx="760" cy="270"/>
+            </a:xfrm>
+          </p:grpSpPr>
+          <p:sp>
+            <p:nvSpPr>
+              <p:cNvPr id="70" name="圆角矩形 69"/>
+              <p:cNvSpPr/>
+              <p:nvPr/>
+            </p:nvSpPr>
+            <p:spPr>
+              <a:xfrm>
+                <a:off x="11426" y="3289"/>
+                <a:ext cx="630" cy="209"/>
+              </a:xfrm>
+              <a:prstGeom prst="roundRect">
+                <a:avLst/>
+              </a:prstGeom>
+              <a:solidFill>
+                <a:schemeClr val="accent4">
+                  <a:lumMod val="20000"/>
+                  <a:lumOff val="80000"/>
+                </a:schemeClr>
+              </a:solidFill>
+            </p:spPr>
+            <p:style>
+              <a:lnRef idx="2">
+                <a:schemeClr val="accent1">
+                  <a:lumMod val="75000"/>
+                </a:schemeClr>
+              </a:lnRef>
+              <a:fillRef idx="1">
+                <a:schemeClr val="accent1"/>
+              </a:fillRef>
+              <a:effectRef idx="0">
+                <a:srgbClr val="FFFFFF"/>
+              </a:effectRef>
+              <a:fontRef idx="minor">
+                <a:schemeClr val="lt1"/>
+              </a:fontRef>
+            </p:style>
+            <p:txBody>
+              <a:bodyPr rtlCol="0" anchor="ctr"/>
+              <a:p>
+                <a:pPr algn="ctr"/>
+                <a:endParaRPr lang="zh-CN" altLang="en-US"/>
+              </a:p>
+            </p:txBody>
+          </p:sp>
+          <p:sp>
+            <p:nvSpPr>
+              <p:cNvPr id="71" name="文本框 70"/>
+              <p:cNvSpPr txBox="1"/>
+              <p:nvPr/>
+            </p:nvSpPr>
+            <p:spPr>
+              <a:xfrm>
+                <a:off x="11368" y="3227"/>
+                <a:ext cx="760" cy="231"/>
+              </a:xfrm>
+              <a:prstGeom prst="rect">
+                <a:avLst/>
+              </a:prstGeom>
+              <a:noFill/>
+            </p:spPr>
+            <p:txBody>
+              <a:bodyPr wrap="square" rtlCol="0">
+                <a:noAutofit/>
+              </a:bodyPr>
+              <a:p>
+                <a:pPr algn="ctr"/>
+                <a:r>
+                  <a:rPr lang="en-US" altLang="zh-CN" sz="800"/>
+                  <a:t>label:1</a:t>
+                </a:r>
+                <a:endParaRPr lang="en-US" altLang="zh-CN" sz="800"/>
+              </a:p>
+            </p:txBody>
+          </p:sp>
+        </p:grpSp>
+        <p:grpSp>
+          <p:nvGrpSpPr>
+            <p:cNvPr id="74" name="组合 73"/>
+            <p:cNvGrpSpPr/>
+            <p:nvPr/>
+          </p:nvGrpSpPr>
+          <p:grpSpPr>
+            <a:xfrm>
+              <a:off x="8393" y="6371"/>
+              <a:ext cx="760" cy="270"/>
+              <a:chOff x="11368" y="3227"/>
+              <a:chExt cx="760" cy="270"/>
+            </a:xfrm>
+          </p:grpSpPr>
+          <p:sp>
+            <p:nvSpPr>
+              <p:cNvPr id="75" name="圆角矩形 74"/>
+              <p:cNvSpPr/>
+              <p:nvPr/>
+            </p:nvSpPr>
+            <p:spPr>
+              <a:xfrm>
+                <a:off x="11426" y="3289"/>
+                <a:ext cx="630" cy="209"/>
+              </a:xfrm>
+              <a:prstGeom prst="roundRect">
+                <a:avLst/>
+              </a:prstGeom>
+              <a:solidFill>
+                <a:schemeClr val="accent4">
+                  <a:lumMod val="20000"/>
+                  <a:lumOff val="80000"/>
+                </a:schemeClr>
+              </a:solidFill>
+            </p:spPr>
+            <p:style>
+              <a:lnRef idx="2">
+                <a:schemeClr val="accent1">
+                  <a:lumMod val="75000"/>
+                </a:schemeClr>
+              </a:lnRef>
+              <a:fillRef idx="1">
+                <a:schemeClr val="accent1"/>
+              </a:fillRef>
+              <a:effectRef idx="0">
+                <a:srgbClr val="FFFFFF"/>
+              </a:effectRef>
+              <a:fontRef idx="minor">
+                <a:schemeClr val="lt1"/>
+              </a:fontRef>
+            </p:style>
+            <p:txBody>
+              <a:bodyPr rtlCol="0" anchor="ctr"/>
+              <a:p>
+                <a:pPr algn="ctr"/>
+                <a:endParaRPr lang="zh-CN" altLang="en-US"/>
+              </a:p>
+            </p:txBody>
+          </p:sp>
+          <p:sp>
+            <p:nvSpPr>
+              <p:cNvPr id="76" name="文本框 75"/>
+              <p:cNvSpPr txBox="1"/>
+              <p:nvPr/>
+            </p:nvSpPr>
+            <p:spPr>
+              <a:xfrm>
+                <a:off x="11368" y="3227"/>
+                <a:ext cx="760" cy="231"/>
+              </a:xfrm>
+              <a:prstGeom prst="rect">
+                <a:avLst/>
+              </a:prstGeom>
+              <a:noFill/>
+            </p:spPr>
+            <p:txBody>
+              <a:bodyPr wrap="square" rtlCol="0">
+                <a:noAutofit/>
+              </a:bodyPr>
+              <a:p>
+                <a:pPr algn="ctr"/>
+                <a:r>
+                  <a:rPr lang="en-US" altLang="zh-CN" sz="800"/>
+                  <a:t>label:1</a:t>
+                </a:r>
+                <a:endParaRPr lang="en-US" altLang="zh-CN" sz="800"/>
+              </a:p>
+            </p:txBody>
+          </p:sp>
+        </p:grpSp>
+        <p:grpSp>
+          <p:nvGrpSpPr>
+            <p:cNvPr id="77" name="组合 76"/>
+            <p:cNvGrpSpPr/>
+            <p:nvPr/>
+          </p:nvGrpSpPr>
+          <p:grpSpPr>
+            <a:xfrm>
+              <a:off x="6550" y="6340"/>
+              <a:ext cx="760" cy="270"/>
+              <a:chOff x="11368" y="3227"/>
+              <a:chExt cx="760" cy="270"/>
+            </a:xfrm>
+          </p:grpSpPr>
+          <p:sp>
+            <p:nvSpPr>
+              <p:cNvPr id="78" name="圆角矩形 77"/>
+              <p:cNvSpPr/>
+              <p:nvPr/>
+            </p:nvSpPr>
+            <p:spPr>
+              <a:xfrm>
+                <a:off x="11426" y="3289"/>
+                <a:ext cx="630" cy="209"/>
+              </a:xfrm>
+              <a:prstGeom prst="roundRect">
+                <a:avLst/>
+              </a:prstGeom>
+              <a:solidFill>
+                <a:schemeClr val="accent4">
+                  <a:lumMod val="20000"/>
+                  <a:lumOff val="80000"/>
+                </a:schemeClr>
+              </a:solidFill>
+            </p:spPr>
+            <p:style>
+              <a:lnRef idx="2">
+                <a:schemeClr val="accent1">
+                  <a:lumMod val="75000"/>
+                </a:schemeClr>
+              </a:lnRef>
+              <a:fillRef idx="1">
+                <a:schemeClr val="accent1"/>
+              </a:fillRef>
+              <a:effectRef idx="0">
+                <a:srgbClr val="FFFFFF"/>
+              </a:effectRef>
+              <a:fontRef idx="minor">
+                <a:schemeClr val="lt1"/>
+              </a:fontRef>
+            </p:style>
+            <p:txBody>
+              <a:bodyPr rtlCol="0" anchor="ctr"/>
+              <a:p>
+                <a:pPr algn="ctr"/>
+                <a:endParaRPr lang="zh-CN" altLang="en-US"/>
+              </a:p>
+            </p:txBody>
+          </p:sp>
+          <p:sp>
+            <p:nvSpPr>
+              <p:cNvPr id="79" name="文本框 78"/>
+              <p:cNvSpPr txBox="1"/>
+              <p:nvPr/>
+            </p:nvSpPr>
+            <p:spPr>
+              <a:xfrm>
+                <a:off x="11368" y="3227"/>
+                <a:ext cx="760" cy="231"/>
+              </a:xfrm>
+              <a:prstGeom prst="rect">
+                <a:avLst/>
+              </a:prstGeom>
+              <a:noFill/>
+            </p:spPr>
+            <p:txBody>
+              <a:bodyPr wrap="square" rtlCol="0">
+                <a:noAutofit/>
+              </a:bodyPr>
+              <a:p>
+                <a:pPr algn="ctr"/>
+                <a:r>
+                  <a:rPr lang="en-US" altLang="zh-CN" sz="800"/>
+                  <a:t>label:0</a:t>
+                </a:r>
+                <a:endParaRPr lang="en-US" altLang="zh-CN" sz="800"/>
+              </a:p>
+            </p:txBody>
+          </p:sp>
+        </p:grpSp>
+        <p:grpSp>
+          <p:nvGrpSpPr>
+            <p:cNvPr id="80" name="组合 79"/>
+            <p:cNvGrpSpPr/>
+            <p:nvPr/>
+          </p:nvGrpSpPr>
+          <p:grpSpPr>
+            <a:xfrm>
+              <a:off x="10215" y="6371"/>
+              <a:ext cx="760" cy="270"/>
+              <a:chOff x="11368" y="3227"/>
+              <a:chExt cx="760" cy="270"/>
+            </a:xfrm>
+          </p:grpSpPr>
+          <p:sp>
+            <p:nvSpPr>
+              <p:cNvPr id="81" name="圆角矩形 80"/>
+              <p:cNvSpPr/>
+              <p:nvPr/>
+            </p:nvSpPr>
+            <p:spPr>
+              <a:xfrm>
+                <a:off x="11426" y="3289"/>
+                <a:ext cx="630" cy="209"/>
+              </a:xfrm>
+              <a:prstGeom prst="roundRect">
+                <a:avLst/>
+              </a:prstGeom>
+              <a:solidFill>
+                <a:schemeClr val="accent4">
+                  <a:lumMod val="20000"/>
+                  <a:lumOff val="80000"/>
+                </a:schemeClr>
+              </a:solidFill>
+            </p:spPr>
+            <p:style>
+              <a:lnRef idx="2">
+                <a:schemeClr val="accent1">
+                  <a:lumMod val="75000"/>
+                </a:schemeClr>
+              </a:lnRef>
+              <a:fillRef idx="1">
+                <a:schemeClr val="accent1"/>
+              </a:fillRef>
+              <a:effectRef idx="0">
+                <a:srgbClr val="FFFFFF"/>
+              </a:effectRef>
+              <a:fontRef idx="minor">
+                <a:schemeClr val="lt1"/>
+              </a:fontRef>
+            </p:style>
+            <p:txBody>
+              <a:bodyPr rtlCol="0" anchor="ctr"/>
+              <a:p>
+                <a:pPr algn="ctr"/>
+                <a:endParaRPr lang="zh-CN" altLang="en-US"/>
+              </a:p>
+            </p:txBody>
+          </p:sp>
+          <p:sp>
+            <p:nvSpPr>
+              <p:cNvPr id="82" name="文本框 81"/>
+              <p:cNvSpPr txBox="1"/>
+              <p:nvPr/>
+            </p:nvSpPr>
+            <p:spPr>
+              <a:xfrm>
+                <a:off x="11368" y="3227"/>
+                <a:ext cx="760" cy="231"/>
+              </a:xfrm>
+              <a:prstGeom prst="rect">
+                <a:avLst/>
+              </a:prstGeom>
+              <a:noFill/>
+            </p:spPr>
+            <p:txBody>
+              <a:bodyPr wrap="square" rtlCol="0">
+                <a:noAutofit/>
+              </a:bodyPr>
+              <a:p>
+                <a:pPr algn="ctr"/>
+                <a:r>
+                  <a:rPr lang="en-US" altLang="zh-CN" sz="800"/>
+                  <a:t>label:0</a:t>
+                </a:r>
+                <a:endParaRPr lang="en-US" altLang="zh-CN" sz="800"/>
+              </a:p>
+            </p:txBody>
+          </p:sp>
+        </p:grpSp>
+        <p:sp>
+          <p:nvSpPr>
+            <p:cNvPr id="83" name="右大括号 82"/>
+            <p:cNvSpPr/>
+            <p:nvPr/>
+          </p:nvSpPr>
+          <p:spPr>
+            <a:xfrm rot="5400000">
+              <a:off x="10339" y="5770"/>
+              <a:ext cx="148" cy="1053"/>
+            </a:xfrm>
+            <a:prstGeom prst="rightBrace">
+              <a:avLst>
+                <a:gd name="adj1" fmla="val 8333"/>
+                <a:gd name="adj2" fmla="val 29107"/>
+              </a:avLst>
+            </a:prstGeom>
+          </p:spPr>
+          <p:style>
+            <a:lnRef idx="2">
+              <a:schemeClr val="accent1"/>
+            </a:lnRef>
+            <a:fillRef idx="0">
+              <a:srgbClr val="FFFFFF"/>
+            </a:fillRef>
+            <a:effectRef idx="0">
+              <a:srgbClr val="FFFFFF"/>
+            </a:effectRef>
+            <a:fontRef idx="minor">
+              <a:schemeClr val="tx1"/>
+            </a:fontRef>
+          </p:style>
+          <p:txBody>
+            <a:bodyPr rtlCol="0" anchor="ctr"/>
+            <a:p>
+              <a:pPr algn="ctr"/>
+              <a:endParaRPr lang="zh-CN" altLang="en-US"/>
+            </a:p>
+          </p:txBody>
+        </p:sp>
+        <p:sp>
+          <p:nvSpPr>
+            <p:cNvPr id="84" name="右大括号 83"/>
+            <p:cNvSpPr/>
+            <p:nvPr/>
+          </p:nvSpPr>
+          <p:spPr>
+            <a:xfrm rot="16200000" flipH="1">
+              <a:off x="7075" y="5760"/>
+              <a:ext cx="120" cy="1053"/>
+            </a:xfrm>
+            <a:prstGeom prst="rightBrace">
+              <a:avLst>
+                <a:gd name="adj1" fmla="val 8333"/>
+                <a:gd name="adj2" fmla="val 29107"/>
+              </a:avLst>
+            </a:prstGeom>
+          </p:spPr>
+          <p:style>
+            <a:lnRef idx="2">
+              <a:schemeClr val="accent1"/>
+            </a:lnRef>
+            <a:fillRef idx="0">
+              <a:srgbClr val="FFFFFF"/>
+            </a:fillRef>
+            <a:effectRef idx="0">
+              <a:srgbClr val="FFFFFF"/>
+            </a:effectRef>
+            <a:fontRef idx="minor">
+              <a:schemeClr val="tx1"/>
+            </a:fontRef>
+          </p:style>
+          <p:txBody>
+            <a:bodyPr rtlCol="0" anchor="ctr"/>
+            <a:p>
+              <a:pPr algn="ctr"/>
+              <a:endParaRPr lang="zh-CN" altLang="en-US"/>
+            </a:p>
+          </p:txBody>
+        </p:sp>
+        <p:sp>
+          <p:nvSpPr>
+            <p:cNvPr id="85" name="右大括号 84"/>
+            <p:cNvSpPr/>
+            <p:nvPr/>
+          </p:nvSpPr>
+          <p:spPr>
+            <a:xfrm rot="5400000">
+              <a:off x="8679" y="5300"/>
+              <a:ext cx="120" cy="2013"/>
+            </a:xfrm>
+            <a:prstGeom prst="rightBrace">
+              <a:avLst>
+                <a:gd name="adj1" fmla="val 8333"/>
+                <a:gd name="adj2" fmla="val 49453"/>
+              </a:avLst>
+            </a:prstGeom>
+          </p:spPr>
+          <p:style>
+            <a:lnRef idx="2">
+              <a:schemeClr val="accent1"/>
+            </a:lnRef>
+            <a:fillRef idx="0">
+              <a:srgbClr val="FFFFFF"/>
+            </a:fillRef>
+            <a:effectRef idx="0">
+              <a:srgbClr val="FFFFFF"/>
+            </a:effectRef>
+            <a:fontRef idx="minor">
+              <a:schemeClr val="tx1"/>
+            </a:fontRef>
+          </p:style>
+          <p:txBody>
+            <a:bodyPr rtlCol="0" anchor="ctr"/>
+            <a:p>
+              <a:pPr algn="ctr"/>
+              <a:endParaRPr lang="zh-CN" altLang="en-US"/>
+            </a:p>
+          </p:txBody>
+        </p:sp>
+        <p:grpSp>
+          <p:nvGrpSpPr>
+            <p:cNvPr id="86" name="组合 85"/>
+            <p:cNvGrpSpPr/>
+            <p:nvPr/>
+          </p:nvGrpSpPr>
+          <p:grpSpPr>
+            <a:xfrm>
+              <a:off x="8393" y="6678"/>
+              <a:ext cx="761" cy="324"/>
+              <a:chOff x="7932" y="2417"/>
+              <a:chExt cx="711" cy="324"/>
+            </a:xfrm>
+          </p:grpSpPr>
+          <p:sp>
+            <p:nvSpPr>
+              <p:cNvPr id="87" name="圆角矩形 86"/>
+              <p:cNvSpPr/>
+              <p:nvPr/>
+            </p:nvSpPr>
+            <p:spPr>
+              <a:xfrm>
+                <a:off x="7932" y="2440"/>
+                <a:ext cx="711" cy="301"/>
+              </a:xfrm>
+              <a:prstGeom prst="roundRect">
+                <a:avLst/>
+              </a:prstGeom>
+              <a:solidFill>
+                <a:schemeClr val="bg2"/>
+              </a:solidFill>
+            </p:spPr>
+            <p:style>
+              <a:lnRef idx="2">
+                <a:schemeClr val="accent1">
+                  <a:lumMod val="75000"/>
+                </a:schemeClr>
+              </a:lnRef>
+              <a:fillRef idx="1">
+                <a:schemeClr val="accent1"/>
+              </a:fillRef>
+              <a:effectRef idx="0">
+                <a:srgbClr val="FFFFFF"/>
+              </a:effectRef>
+              <a:fontRef idx="minor">
+                <a:schemeClr val="lt1"/>
+              </a:fontRef>
+            </p:style>
+            <p:txBody>
+              <a:bodyPr rtlCol="0" anchor="ctr"/>
+              <a:p>
+                <a:pPr algn="ctr"/>
+                <a:endParaRPr lang="zh-CN" altLang="en-US"/>
+              </a:p>
+            </p:txBody>
+          </p:sp>
+          <p:sp>
+            <p:nvSpPr>
+              <p:cNvPr id="88" name="文本框 87"/>
+              <p:cNvSpPr txBox="1"/>
+              <p:nvPr/>
+            </p:nvSpPr>
+            <p:spPr>
+              <a:xfrm>
+                <a:off x="7932" y="2417"/>
+                <a:ext cx="710" cy="306"/>
+              </a:xfrm>
+              <a:prstGeom prst="rect">
+                <a:avLst/>
+              </a:prstGeom>
+              <a:noFill/>
+            </p:spPr>
+            <p:txBody>
+              <a:bodyPr wrap="square" rtlCol="0">
+                <a:spAutoFit/>
+              </a:bodyPr>
+              <a:p>
+                <a:pPr algn="ctr"/>
+                <a:r>
+                  <a:rPr lang="en-US" altLang="zh-CN" sz="900"/>
+                  <a:t>Test</a:t>
+                </a:r>
+                <a:endParaRPr lang="en-US" altLang="zh-CN" sz="900"/>
+              </a:p>
+            </p:txBody>
+          </p:sp>
+        </p:grpSp>
+        <p:sp>
+          <p:nvSpPr>
+            <p:cNvPr id="89" name="圆角矩形 88"/>
+            <p:cNvSpPr/>
+            <p:nvPr/>
+          </p:nvSpPr>
+          <p:spPr>
+            <a:xfrm>
+              <a:off x="6447" y="5477"/>
+              <a:ext cx="4724" cy="1563"/>
             </a:xfrm>
             <a:prstGeom prst="roundRect">
               <a:avLst/>
             </a:prstGeom>
-            <a:solidFill>
-              <a:schemeClr val="accent4">
-                <a:lumMod val="20000"/>
-                <a:lumOff val="80000"/>
-              </a:schemeClr>
-            </a:solidFill>
+            <a:noFill/>
+            <a:ln>
+              <a:solidFill>
+                <a:schemeClr val="tx1"/>
+              </a:solidFill>
+            </a:ln>
           </p:spPr>
           <p:style>
             <a:lnRef idx="2">
@@ -6468,16 +6765,134 @@
             </a:p>
           </p:txBody>
         </p:sp>
+        <p:cxnSp>
+          <p:nvCxnSpPr>
+            <p:cNvPr id="91" name="肘形连接符 90"/>
+            <p:cNvCxnSpPr>
+              <a:stCxn id="89" idx="1"/>
+              <a:endCxn id="12" idx="0"/>
+            </p:cNvCxnSpPr>
+            <p:nvPr/>
+          </p:nvCxnSpPr>
+          <p:spPr>
+            <a:xfrm rot="10800000">
+              <a:off x="3015" y="2777"/>
+              <a:ext cx="3432" cy="3481"/>
+            </a:xfrm>
+            <a:prstGeom prst="bentConnector4">
+              <a:avLst>
+                <a:gd name="adj1" fmla="val 14044"/>
+                <a:gd name="adj2" fmla="val 110773"/>
+              </a:avLst>
+            </a:prstGeom>
+            <a:ln>
+              <a:solidFill>
+                <a:schemeClr val="tx1"/>
+              </a:solidFill>
+              <a:tailEnd type="arrow"/>
+            </a:ln>
+          </p:spPr>
+          <p:style>
+            <a:lnRef idx="2">
+              <a:schemeClr val="accent1"/>
+            </a:lnRef>
+            <a:fillRef idx="0">
+              <a:srgbClr val="FFFFFF"/>
+            </a:fillRef>
+            <a:effectRef idx="0">
+              <a:srgbClr val="FFFFFF"/>
+            </a:effectRef>
+            <a:fontRef idx="minor">
+              <a:schemeClr val="tx1"/>
+            </a:fontRef>
+          </p:style>
+        </p:cxnSp>
+        <p:cxnSp>
+          <p:nvCxnSpPr>
+            <p:cNvPr id="92" name="肘形连接符 91"/>
+            <p:cNvCxnSpPr>
+              <a:endCxn id="32" idx="1"/>
+            </p:cNvCxnSpPr>
+            <p:nvPr/>
+          </p:nvCxnSpPr>
+          <p:spPr>
+            <a:xfrm rot="10800000" flipV="1">
+              <a:off x="6122" y="6873"/>
+              <a:ext cx="2251" cy="1589"/>
+            </a:xfrm>
+            <a:prstGeom prst="bentConnector3">
+              <a:avLst>
+                <a:gd name="adj1" fmla="val 116659"/>
+              </a:avLst>
+            </a:prstGeom>
+            <a:ln>
+              <a:solidFill>
+                <a:schemeClr val="accent3"/>
+              </a:solidFill>
+              <a:tailEnd type="arrow"/>
+            </a:ln>
+          </p:spPr>
+          <p:style>
+            <a:lnRef idx="2">
+              <a:schemeClr val="accent1"/>
+            </a:lnRef>
+            <a:fillRef idx="0">
+              <a:srgbClr val="FFFFFF"/>
+            </a:fillRef>
+            <a:effectRef idx="0">
+              <a:srgbClr val="FFFFFF"/>
+            </a:effectRef>
+            <a:fontRef idx="minor">
+              <a:schemeClr val="tx1"/>
+            </a:fontRef>
+          </p:style>
+        </p:cxnSp>
+        <p:cxnSp>
+          <p:nvCxnSpPr>
+            <p:cNvPr id="93" name="直接箭头连接符 92"/>
+            <p:cNvCxnSpPr/>
+            <p:nvPr/>
+          </p:nvCxnSpPr>
+          <p:spPr>
+            <a:xfrm>
+              <a:off x="5094" y="7061"/>
+              <a:ext cx="633" cy="3"/>
+            </a:xfrm>
+            <a:prstGeom prst="straightConnector1">
+              <a:avLst/>
+            </a:prstGeom>
+            <a:ln>
+              <a:solidFill>
+                <a:srgbClr val="C3716E"/>
+              </a:solidFill>
+              <a:tailEnd type="arrow"/>
+            </a:ln>
+          </p:spPr>
+          <p:style>
+            <a:lnRef idx="2">
+              <a:schemeClr val="accent1"/>
+            </a:lnRef>
+            <a:fillRef idx="0">
+              <a:srgbClr val="FFFFFF"/>
+            </a:fillRef>
+            <a:effectRef idx="0">
+              <a:srgbClr val="FFFFFF"/>
+            </a:effectRef>
+            <a:fontRef idx="minor">
+              <a:schemeClr val="tx1"/>
+            </a:fontRef>
+          </p:style>
+        </p:cxnSp>
         <p:sp>
           <p:nvSpPr>
-            <p:cNvPr id="82" name="文本框 81"/>
+            <p:cNvPr id="94" name="文本框 93"/>
             <p:cNvSpPr txBox="1"/>
             <p:nvPr/>
           </p:nvSpPr>
           <p:spPr>
             <a:xfrm>
-              <a:off x="11368" y="3227"/>
-              <a:ext cx="760" cy="231"/>
+              <a:off x="6262" y="8511"/>
+              <a:ext cx="5643" cy="449"/>
             </a:xfrm>
             <a:prstGeom prst="rect">
               <a:avLst/>
@@ -6486,205 +6901,162 @@
           </p:spPr>
           <p:txBody>
             <a:bodyPr wrap="square" rtlCol="0">
-              <a:noAutofit/>
+              <a:spAutoFit/>
             </a:bodyPr>
             <a:p>
-              <a:pPr algn="ctr"/>
+              <a:pPr algn="l"/>
+              <a:r>
+                <a:rPr lang="en-US" altLang="zh-CN" sz="800" b="1"/>
+                <a:t>Diagnostic Recommendations</a:t>
+              </a:r>
               <a:r>
                 <a:rPr lang="en-US" altLang="zh-CN" sz="800"/>
-                <a:t>label:0</a:t>
+                <a:t> : you could diagnose using this part of vedio</a:t>
+              </a:r>
+              <a:endParaRPr lang="en-US" altLang="zh-CN" sz="800"/>
+            </a:p>
+            <a:p>
+              <a:pPr algn="l"/>
+              <a:r>
+                <a:rPr lang="en-US" altLang="zh-CN" sz="800" b="1"/>
+                <a:t>Classification</a:t>
+              </a:r>
+              <a:r>
+                <a:rPr lang="en-US" altLang="zh-CN" sz="800"/>
+                <a:t> : 0/1</a:t>
               </a:r>
               <a:endParaRPr lang="en-US" altLang="zh-CN" sz="800"/>
             </a:p>
           </p:txBody>
         </p:sp>
-      </p:grpSp>
-      <p:sp>
-        <p:nvSpPr>
-          <p:cNvPr id="83" name="右大括号 82"/>
-          <p:cNvSpPr/>
-          <p:nvPr/>
-        </p:nvSpPr>
-        <p:spPr>
-          <a:xfrm rot="5400000">
-            <a:off x="6565265" y="3663950"/>
-            <a:ext cx="93980" cy="668655"/>
-          </a:xfrm>
-          <a:prstGeom prst="rightBrace">
-            <a:avLst>
-              <a:gd name="adj1" fmla="val 8333"/>
-              <a:gd name="adj2" fmla="val 29107"/>
-            </a:avLst>
-          </a:prstGeom>
-        </p:spPr>
-        <p:style>
-          <a:lnRef idx="2">
-            <a:schemeClr val="accent1"/>
-          </a:lnRef>
-          <a:fillRef idx="0">
-            <a:srgbClr val="FFFFFF"/>
-          </a:fillRef>
-          <a:effectRef idx="0">
-            <a:srgbClr val="FFFFFF"/>
-          </a:effectRef>
-          <a:fontRef idx="minor">
-            <a:schemeClr val="tx1"/>
-          </a:fontRef>
-        </p:style>
-        <p:txBody>
-          <a:bodyPr rtlCol="0" anchor="ctr"/>
-          <a:p>
-            <a:pPr algn="ctr"/>
-            <a:endParaRPr lang="zh-CN" altLang="en-US"/>
-          </a:p>
-        </p:txBody>
-      </p:sp>
-      <p:sp>
-        <p:nvSpPr>
-          <p:cNvPr id="84" name="右大括号 83"/>
-          <p:cNvSpPr/>
-          <p:nvPr/>
-        </p:nvSpPr>
-        <p:spPr>
-          <a:xfrm rot="16200000" flipH="1">
-            <a:off x="4492625" y="3657600"/>
-            <a:ext cx="76200" cy="668655"/>
-          </a:xfrm>
-          <a:prstGeom prst="rightBrace">
-            <a:avLst>
-              <a:gd name="adj1" fmla="val 8333"/>
-              <a:gd name="adj2" fmla="val 29107"/>
-            </a:avLst>
-          </a:prstGeom>
-        </p:spPr>
-        <p:style>
-          <a:lnRef idx="2">
-            <a:schemeClr val="accent1"/>
-          </a:lnRef>
-          <a:fillRef idx="0">
-            <a:srgbClr val="FFFFFF"/>
-          </a:fillRef>
-          <a:effectRef idx="0">
-            <a:srgbClr val="FFFFFF"/>
-          </a:effectRef>
-          <a:fontRef idx="minor">
-            <a:schemeClr val="tx1"/>
-          </a:fontRef>
-        </p:style>
-        <p:txBody>
-          <a:bodyPr rtlCol="0" anchor="ctr"/>
-          <a:p>
-            <a:pPr algn="ctr"/>
-            <a:endParaRPr lang="zh-CN" altLang="en-US"/>
-          </a:p>
-        </p:txBody>
-      </p:sp>
-      <p:sp>
-        <p:nvSpPr>
-          <p:cNvPr id="85" name="右大括号 84"/>
-          <p:cNvSpPr/>
-          <p:nvPr/>
-        </p:nvSpPr>
-        <p:spPr>
-          <a:xfrm rot="5400000">
-            <a:off x="5511165" y="3365500"/>
-            <a:ext cx="76200" cy="1278255"/>
-          </a:xfrm>
-          <a:prstGeom prst="rightBrace">
-            <a:avLst>
-              <a:gd name="adj1" fmla="val 8333"/>
-              <a:gd name="adj2" fmla="val 49453"/>
-            </a:avLst>
-          </a:prstGeom>
-        </p:spPr>
-        <p:style>
-          <a:lnRef idx="2">
-            <a:schemeClr val="accent1"/>
-          </a:lnRef>
-          <a:fillRef idx="0">
-            <a:srgbClr val="FFFFFF"/>
-          </a:fillRef>
-          <a:effectRef idx="0">
-            <a:srgbClr val="FFFFFF"/>
-          </a:effectRef>
-          <a:fontRef idx="minor">
-            <a:schemeClr val="tx1"/>
-          </a:fontRef>
-        </p:style>
-        <p:txBody>
-          <a:bodyPr rtlCol="0" anchor="ctr"/>
-          <a:p>
-            <a:pPr algn="ctr"/>
-            <a:endParaRPr lang="zh-CN" altLang="en-US"/>
-          </a:p>
-        </p:txBody>
-      </p:sp>
-      <p:grpSp>
-        <p:nvGrpSpPr>
-          <p:cNvPr id="86" name="组合 85"/>
-          <p:cNvGrpSpPr/>
-          <p:nvPr/>
-        </p:nvGrpSpPr>
-        <p:grpSpPr>
-          <a:xfrm>
-            <a:off x="5329555" y="4240530"/>
-            <a:ext cx="483280" cy="229870"/>
-            <a:chOff x="7932" y="2417"/>
-            <a:chExt cx="711" cy="362"/>
-          </a:xfrm>
-        </p:grpSpPr>
+        <p:pic>
+          <p:nvPicPr>
+            <p:cNvPr id="95" name="图片 94" descr="PB03900001"/>
+            <p:cNvPicPr>
+              <a:picLocks noChangeAspect="1"/>
+            </p:cNvPicPr>
+            <p:nvPr>
+              <p:custDataLst>
+                <p:tags r:id="rId26"/>
+              </p:custDataLst>
+            </p:nvPr>
+          </p:nvPicPr>
+          <p:blipFill>
+            <a:blip r:embed="rId3"/>
+            <a:stretch>
+              <a:fillRect/>
+            </a:stretch>
+          </p:blipFill>
+          <p:spPr>
+            <a:xfrm>
+              <a:off x="7539" y="7770"/>
+              <a:ext cx="694" cy="692"/>
+            </a:xfrm>
+            <a:prstGeom prst="rect">
+              <a:avLst/>
+            </a:prstGeom>
+          </p:spPr>
+        </p:pic>
+        <p:pic>
+          <p:nvPicPr>
+            <p:cNvPr id="96" name="图片 95" descr="PB03900001"/>
+            <p:cNvPicPr>
+              <a:picLocks noChangeAspect="1"/>
+            </p:cNvPicPr>
+            <p:nvPr>
+              <p:custDataLst>
+                <p:tags r:id="rId27"/>
+              </p:custDataLst>
+            </p:nvPr>
+          </p:nvPicPr>
+          <p:blipFill>
+            <a:blip r:embed="rId3"/>
+            <a:stretch>
+              <a:fillRect/>
+            </a:stretch>
+          </p:blipFill>
+          <p:spPr>
+            <a:xfrm>
+              <a:off x="8233" y="7771"/>
+              <a:ext cx="694" cy="692"/>
+            </a:xfrm>
+            <a:prstGeom prst="rect">
+              <a:avLst/>
+            </a:prstGeom>
+          </p:spPr>
+        </p:pic>
+        <p:pic>
+          <p:nvPicPr>
+            <p:cNvPr id="97" name="图片 96" descr="PB03900001"/>
+            <p:cNvPicPr>
+              <a:picLocks noChangeAspect="1"/>
+            </p:cNvPicPr>
+            <p:nvPr>
+              <p:custDataLst>
+                <p:tags r:id="rId28"/>
+              </p:custDataLst>
+            </p:nvPr>
+          </p:nvPicPr>
+          <p:blipFill>
+            <a:blip r:embed="rId3"/>
+            <a:stretch>
+              <a:fillRect/>
+            </a:stretch>
+          </p:blipFill>
+          <p:spPr>
+            <a:xfrm>
+              <a:off x="8927" y="7770"/>
+              <a:ext cx="694" cy="692"/>
+            </a:xfrm>
+            <a:prstGeom prst="rect">
+              <a:avLst/>
+            </a:prstGeom>
+          </p:spPr>
+        </p:pic>
+        <p:pic>
+          <p:nvPicPr>
+            <p:cNvPr id="98" name="图片 97" descr="PB03900038"/>
+            <p:cNvPicPr>
+              <a:picLocks noChangeAspect="1"/>
+            </p:cNvPicPr>
+            <p:nvPr>
+              <p:custDataLst>
+                <p:tags r:id="rId29"/>
+              </p:custDataLst>
+            </p:nvPr>
+          </p:nvPicPr>
+          <p:blipFill>
+            <a:blip r:embed="rId9">
+              <a:alphaModFix amt="50000"/>
+            </a:blip>
+            <a:stretch>
+              <a:fillRect/>
+            </a:stretch>
+          </p:blipFill>
+          <p:spPr>
+            <a:xfrm>
+              <a:off x="6417" y="7770"/>
+              <a:ext cx="693" cy="693"/>
+            </a:xfrm>
+            <a:prstGeom prst="rect">
+              <a:avLst/>
+            </a:prstGeom>
+          </p:spPr>
+        </p:pic>
         <p:sp>
           <p:nvSpPr>
-            <p:cNvPr id="87" name="圆角矩形 86"/>
-            <p:cNvSpPr/>
-            <p:nvPr/>
+            <p:cNvPr id="99" name="文本框 98"/>
+            <p:cNvSpPr txBox="1"/>
+            <p:nvPr>
+              <p:custDataLst>
+                <p:tags r:id="rId30"/>
+              </p:custDataLst>
+            </p:nvPr>
           </p:nvSpPr>
           <p:spPr>
             <a:xfrm>
-              <a:off x="7932" y="2440"/>
-              <a:ext cx="711" cy="301"/>
-            </a:xfrm>
-            <a:prstGeom prst="roundRect">
-              <a:avLst/>
-            </a:prstGeom>
-            <a:solidFill>
-              <a:schemeClr val="bg2"/>
-            </a:solidFill>
-          </p:spPr>
-          <p:style>
-            <a:lnRef idx="2">
-              <a:schemeClr val="accent1">
-                <a:lumMod val="75000"/>
-              </a:schemeClr>
-            </a:lnRef>
-            <a:fillRef idx="1">
-              <a:schemeClr val="accent1"/>
-            </a:fillRef>
-            <a:effectRef idx="0">
-              <a:srgbClr val="FFFFFF"/>
-            </a:effectRef>
-            <a:fontRef idx="minor">
-              <a:schemeClr val="lt1"/>
-            </a:fontRef>
-          </p:style>
-          <p:txBody>
-            <a:bodyPr rtlCol="0" anchor="ctr"/>
-            <a:p>
-              <a:pPr algn="ctr"/>
-              <a:endParaRPr lang="zh-CN" altLang="en-US"/>
-            </a:p>
-          </p:txBody>
-        </p:sp>
-        <p:sp>
-          <p:nvSpPr>
-            <p:cNvPr id="88" name="文本框 87"/>
-            <p:cNvSpPr txBox="1"/>
-            <p:nvPr/>
-          </p:nvSpPr>
-          <p:spPr>
-            <a:xfrm>
-              <a:off x="7932" y="2417"/>
-              <a:ext cx="710" cy="362"/>
+              <a:off x="7109" y="7893"/>
+              <a:ext cx="430" cy="306"/>
             </a:xfrm>
             <a:prstGeom prst="rect">
               <a:avLst/>
@@ -6699,434 +7071,77 @@
               <a:pPr algn="ctr"/>
               <a:r>
                 <a:rPr lang="en-US" altLang="zh-CN" sz="900"/>
-                <a:t>Test</a:t>
+                <a:t>...</a:t>
               </a:r>
               <a:endParaRPr lang="en-US" altLang="zh-CN" sz="900"/>
             </a:p>
           </p:txBody>
         </p:sp>
+        <p:sp>
+          <p:nvSpPr>
+            <p:cNvPr id="100" name="文本框 99"/>
+            <p:cNvSpPr txBox="1"/>
+            <p:nvPr>
+              <p:custDataLst>
+                <p:tags r:id="rId31"/>
+              </p:custDataLst>
+            </p:nvPr>
+          </p:nvSpPr>
+          <p:spPr>
+            <a:xfrm>
+              <a:off x="9658" y="7936"/>
+              <a:ext cx="430" cy="306"/>
+            </a:xfrm>
+            <a:prstGeom prst="rect">
+              <a:avLst/>
+            </a:prstGeom>
+            <a:noFill/>
+          </p:spPr>
+          <p:txBody>
+            <a:bodyPr wrap="square" rtlCol="0">
+              <a:spAutoFit/>
+            </a:bodyPr>
+            <a:p>
+              <a:pPr algn="ctr"/>
+              <a:r>
+                <a:rPr lang="en-US" altLang="zh-CN" sz="900"/>
+                <a:t>...</a:t>
+              </a:r>
+              <a:endParaRPr lang="en-US" altLang="zh-CN" sz="900"/>
+            </a:p>
+          </p:txBody>
+        </p:sp>
+        <p:pic>
+          <p:nvPicPr>
+            <p:cNvPr id="101" name="图片 100" descr="PB03900038"/>
+            <p:cNvPicPr>
+              <a:picLocks noChangeAspect="1"/>
+            </p:cNvPicPr>
+            <p:nvPr>
+              <p:custDataLst>
+                <p:tags r:id="rId32"/>
+              </p:custDataLst>
+            </p:nvPr>
+          </p:nvPicPr>
+          <p:blipFill>
+            <a:blip r:embed="rId9">
+              <a:alphaModFix amt="50000"/>
+            </a:blip>
+            <a:stretch>
+              <a:fillRect/>
+            </a:stretch>
+          </p:blipFill>
+          <p:spPr>
+            <a:xfrm>
+              <a:off x="10050" y="7771"/>
+              <a:ext cx="693" cy="693"/>
+            </a:xfrm>
+            <a:prstGeom prst="rect">
+              <a:avLst/>
+            </a:prstGeom>
+          </p:spPr>
+        </p:pic>
       </p:grpSp>
-      <p:sp>
-        <p:nvSpPr>
-          <p:cNvPr id="89" name="圆角矩形 88"/>
-          <p:cNvSpPr/>
-          <p:nvPr/>
-        </p:nvSpPr>
-        <p:spPr>
-          <a:xfrm>
-            <a:off x="4093845" y="3477895"/>
-            <a:ext cx="2999740" cy="992505"/>
-          </a:xfrm>
-          <a:prstGeom prst="roundRect">
-            <a:avLst/>
-          </a:prstGeom>
-          <a:noFill/>
-          <a:ln>
-            <a:solidFill>
-              <a:schemeClr val="tx1"/>
-            </a:solidFill>
-          </a:ln>
-        </p:spPr>
-        <p:style>
-          <a:lnRef idx="2">
-            <a:schemeClr val="accent1">
-              <a:lumMod val="75000"/>
-            </a:schemeClr>
-          </a:lnRef>
-          <a:fillRef idx="1">
-            <a:schemeClr val="accent1"/>
-          </a:fillRef>
-          <a:effectRef idx="0">
-            <a:srgbClr val="FFFFFF"/>
-          </a:effectRef>
-          <a:fontRef idx="minor">
-            <a:schemeClr val="lt1"/>
-          </a:fontRef>
-        </p:style>
-        <p:txBody>
-          <a:bodyPr rtlCol="0" anchor="ctr"/>
-          <a:p>
-            <a:pPr algn="ctr"/>
-            <a:endParaRPr lang="zh-CN" altLang="en-US"/>
-          </a:p>
-        </p:txBody>
-      </p:sp>
-      <p:cxnSp>
-        <p:nvCxnSpPr>
-          <p:cNvPr id="91" name="肘形连接符 90"/>
-          <p:cNvCxnSpPr>
-            <a:stCxn id="89" idx="1"/>
-            <a:endCxn id="12" idx="0"/>
-          </p:cNvCxnSpPr>
-          <p:nvPr/>
-        </p:nvCxnSpPr>
-        <p:spPr>
-          <a:xfrm rot="10800000">
-            <a:off x="1914525" y="1763395"/>
-            <a:ext cx="2179320" cy="2210435"/>
-          </a:xfrm>
-          <a:prstGeom prst="bentConnector4">
-            <a:avLst>
-              <a:gd name="adj1" fmla="val 14044"/>
-              <a:gd name="adj2" fmla="val 110773"/>
-            </a:avLst>
-          </a:prstGeom>
-          <a:ln>
-            <a:solidFill>
-              <a:schemeClr val="tx1"/>
-            </a:solidFill>
-            <a:tailEnd type="arrow"/>
-          </a:ln>
-        </p:spPr>
-        <p:style>
-          <a:lnRef idx="2">
-            <a:schemeClr val="accent1"/>
-          </a:lnRef>
-          <a:fillRef idx="0">
-            <a:srgbClr val="FFFFFF"/>
-          </a:fillRef>
-          <a:effectRef idx="0">
-            <a:srgbClr val="FFFFFF"/>
-          </a:effectRef>
-          <a:fontRef idx="minor">
-            <a:schemeClr val="tx1"/>
-          </a:fontRef>
-        </p:style>
-      </p:cxnSp>
-      <p:cxnSp>
-        <p:nvCxnSpPr>
-          <p:cNvPr id="92" name="肘形连接符 91"/>
-          <p:cNvCxnSpPr>
-            <a:endCxn id="32" idx="1"/>
-          </p:cNvCxnSpPr>
-          <p:nvPr/>
-        </p:nvCxnSpPr>
-        <p:spPr>
-          <a:xfrm rot="10800000" flipV="1">
-            <a:off x="3887470" y="4364355"/>
-            <a:ext cx="1429385" cy="1009015"/>
-          </a:xfrm>
-          <a:prstGeom prst="bentConnector3">
-            <a:avLst>
-              <a:gd name="adj1" fmla="val 116659"/>
-            </a:avLst>
-          </a:prstGeom>
-          <a:ln>
-            <a:solidFill>
-              <a:schemeClr val="accent3"/>
-            </a:solidFill>
-            <a:tailEnd type="arrow"/>
-          </a:ln>
-        </p:spPr>
-        <p:style>
-          <a:lnRef idx="2">
-            <a:schemeClr val="accent1"/>
-          </a:lnRef>
-          <a:fillRef idx="0">
-            <a:srgbClr val="FFFFFF"/>
-          </a:fillRef>
-          <a:effectRef idx="0">
-            <a:srgbClr val="FFFFFF"/>
-          </a:effectRef>
-          <a:fontRef idx="minor">
-            <a:schemeClr val="tx1"/>
-          </a:fontRef>
-        </p:style>
-      </p:cxnSp>
-      <p:cxnSp>
-        <p:nvCxnSpPr>
-          <p:cNvPr id="93" name="直接箭头连接符 92"/>
-          <p:cNvCxnSpPr/>
-          <p:nvPr/>
-        </p:nvCxnSpPr>
-        <p:spPr>
-          <a:xfrm>
-            <a:off x="3234690" y="4483735"/>
-            <a:ext cx="401955" cy="1905"/>
-          </a:xfrm>
-          <a:prstGeom prst="straightConnector1">
-            <a:avLst/>
-          </a:prstGeom>
-          <a:ln>
-            <a:solidFill>
-              <a:srgbClr val="C3716E"/>
-            </a:solidFill>
-            <a:tailEnd type="arrow"/>
-          </a:ln>
-        </p:spPr>
-        <p:style>
-          <a:lnRef idx="2">
-            <a:schemeClr val="accent1"/>
-          </a:lnRef>
-          <a:fillRef idx="0">
-            <a:srgbClr val="FFFFFF"/>
-          </a:fillRef>
-          <a:effectRef idx="0">
-            <a:srgbClr val="FFFFFF"/>
-          </a:effectRef>
-          <a:fontRef idx="minor">
-            <a:schemeClr val="tx1"/>
-          </a:fontRef>
-        </p:style>
-      </p:cxnSp>
-      <p:sp>
-        <p:nvSpPr>
-          <p:cNvPr id="94" name="文本框 93"/>
-          <p:cNvSpPr txBox="1"/>
-          <p:nvPr/>
-        </p:nvSpPr>
-        <p:spPr>
-          <a:xfrm>
-            <a:off x="3976370" y="5404485"/>
-            <a:ext cx="3583305" cy="337185"/>
-          </a:xfrm>
-          <a:prstGeom prst="rect">
-            <a:avLst/>
-          </a:prstGeom>
-          <a:noFill/>
-        </p:spPr>
-        <p:txBody>
-          <a:bodyPr wrap="square" rtlCol="0">
-            <a:spAutoFit/>
-          </a:bodyPr>
-          <a:p>
-            <a:pPr algn="l"/>
-            <a:r>
-              <a:rPr lang="en-US" altLang="zh-CN" sz="800" b="1"/>
-              <a:t>Diagnostic Recommendations</a:t>
-            </a:r>
-            <a:r>
-              <a:rPr lang="en-US" altLang="zh-CN" sz="800"/>
-              <a:t> : you could diagnose using this part of vedio</a:t>
-            </a:r>
-            <a:endParaRPr lang="en-US" altLang="zh-CN" sz="800"/>
-          </a:p>
-          <a:p>
-            <a:pPr algn="l"/>
-            <a:r>
-              <a:rPr lang="en-US" altLang="zh-CN" sz="800" b="1"/>
-              <a:t>Classification</a:t>
-            </a:r>
-            <a:r>
-              <a:rPr lang="en-US" altLang="zh-CN" sz="800"/>
-              <a:t> : 0/1</a:t>
-            </a:r>
-            <a:endParaRPr lang="en-US" altLang="zh-CN" sz="800"/>
-          </a:p>
-        </p:txBody>
-      </p:sp>
-      <p:pic>
-        <p:nvPicPr>
-          <p:cNvPr id="95" name="图片 94" descr="PB03900001"/>
-          <p:cNvPicPr>
-            <a:picLocks noChangeAspect="1"/>
-          </p:cNvPicPr>
-          <p:nvPr>
-            <p:custDataLst>
-              <p:tags r:id="rId26"/>
-            </p:custDataLst>
-          </p:nvPr>
-        </p:nvPicPr>
-        <p:blipFill>
-          <a:blip r:embed="rId3"/>
-          <a:stretch>
-            <a:fillRect/>
-          </a:stretch>
-        </p:blipFill>
-        <p:spPr>
-          <a:xfrm>
-            <a:off x="4787265" y="4933950"/>
-            <a:ext cx="440690" cy="439420"/>
-          </a:xfrm>
-          <a:prstGeom prst="rect">
-            <a:avLst/>
-          </a:prstGeom>
-        </p:spPr>
-      </p:pic>
-      <p:pic>
-        <p:nvPicPr>
-          <p:cNvPr id="96" name="图片 95" descr="PB03900001"/>
-          <p:cNvPicPr>
-            <a:picLocks noChangeAspect="1"/>
-          </p:cNvPicPr>
-          <p:nvPr>
-            <p:custDataLst>
-              <p:tags r:id="rId27"/>
-            </p:custDataLst>
-          </p:nvPr>
-        </p:nvPicPr>
-        <p:blipFill>
-          <a:blip r:embed="rId3"/>
-          <a:stretch>
-            <a:fillRect/>
-          </a:stretch>
-        </p:blipFill>
-        <p:spPr>
-          <a:xfrm>
-            <a:off x="5227955" y="4934585"/>
-            <a:ext cx="440690" cy="439420"/>
-          </a:xfrm>
-          <a:prstGeom prst="rect">
-            <a:avLst/>
-          </a:prstGeom>
-        </p:spPr>
-      </p:pic>
-      <p:pic>
-        <p:nvPicPr>
-          <p:cNvPr id="97" name="图片 96" descr="PB03900001"/>
-          <p:cNvPicPr>
-            <a:picLocks noChangeAspect="1"/>
-          </p:cNvPicPr>
-          <p:nvPr>
-            <p:custDataLst>
-              <p:tags r:id="rId28"/>
-            </p:custDataLst>
-          </p:nvPr>
-        </p:nvPicPr>
-        <p:blipFill>
-          <a:blip r:embed="rId3"/>
-          <a:stretch>
-            <a:fillRect/>
-          </a:stretch>
-        </p:blipFill>
-        <p:spPr>
-          <a:xfrm>
-            <a:off x="5668645" y="4933950"/>
-            <a:ext cx="440690" cy="439420"/>
-          </a:xfrm>
-          <a:prstGeom prst="rect">
-            <a:avLst/>
-          </a:prstGeom>
-        </p:spPr>
-      </p:pic>
-      <p:pic>
-        <p:nvPicPr>
-          <p:cNvPr id="98" name="图片 97" descr="PB03900038"/>
-          <p:cNvPicPr>
-            <a:picLocks noChangeAspect="1"/>
-          </p:cNvPicPr>
-          <p:nvPr>
-            <p:custDataLst>
-              <p:tags r:id="rId29"/>
-            </p:custDataLst>
-          </p:nvPr>
-        </p:nvPicPr>
-        <p:blipFill>
-          <a:blip r:embed="rId9">
-            <a:alphaModFix amt="50000"/>
-          </a:blip>
-          <a:stretch>
-            <a:fillRect/>
-          </a:stretch>
-        </p:blipFill>
-        <p:spPr>
-          <a:xfrm>
-            <a:off x="4074795" y="4933950"/>
-            <a:ext cx="440055" cy="440055"/>
-          </a:xfrm>
-          <a:prstGeom prst="rect">
-            <a:avLst/>
-          </a:prstGeom>
-        </p:spPr>
-      </p:pic>
-      <p:sp>
-        <p:nvSpPr>
-          <p:cNvPr id="99" name="文本框 98"/>
-          <p:cNvSpPr txBox="1"/>
-          <p:nvPr>
-            <p:custDataLst>
-              <p:tags r:id="rId30"/>
-            </p:custDataLst>
-          </p:nvPr>
-        </p:nvSpPr>
-        <p:spPr>
-          <a:xfrm>
-            <a:off x="4514215" y="5012055"/>
-            <a:ext cx="273050" cy="229870"/>
-          </a:xfrm>
-          <a:prstGeom prst="rect">
-            <a:avLst/>
-          </a:prstGeom>
-          <a:noFill/>
-        </p:spPr>
-        <p:txBody>
-          <a:bodyPr wrap="square" rtlCol="0">
-            <a:spAutoFit/>
-          </a:bodyPr>
-          <a:p>
-            <a:pPr algn="ctr"/>
-            <a:r>
-              <a:rPr lang="en-US" altLang="zh-CN" sz="900"/>
-              <a:t>...</a:t>
-            </a:r>
-            <a:endParaRPr lang="en-US" altLang="zh-CN" sz="900"/>
-          </a:p>
-        </p:txBody>
-      </p:sp>
-      <p:sp>
-        <p:nvSpPr>
-          <p:cNvPr id="100" name="文本框 99"/>
-          <p:cNvSpPr txBox="1"/>
-          <p:nvPr>
-            <p:custDataLst>
-              <p:tags r:id="rId31"/>
-            </p:custDataLst>
-          </p:nvPr>
-        </p:nvSpPr>
-        <p:spPr>
-          <a:xfrm>
-            <a:off x="6132830" y="5039360"/>
-            <a:ext cx="273050" cy="229870"/>
-          </a:xfrm>
-          <a:prstGeom prst="rect">
-            <a:avLst/>
-          </a:prstGeom>
-          <a:noFill/>
-        </p:spPr>
-        <p:txBody>
-          <a:bodyPr wrap="square" rtlCol="0">
-            <a:spAutoFit/>
-          </a:bodyPr>
-          <a:p>
-            <a:pPr algn="ctr"/>
-            <a:r>
-              <a:rPr lang="en-US" altLang="zh-CN" sz="900"/>
-              <a:t>...</a:t>
-            </a:r>
-            <a:endParaRPr lang="en-US" altLang="zh-CN" sz="900"/>
-          </a:p>
-        </p:txBody>
-      </p:sp>
-      <p:pic>
-        <p:nvPicPr>
-          <p:cNvPr id="101" name="图片 100" descr="PB03900038"/>
-          <p:cNvPicPr>
-            <a:picLocks noChangeAspect="1"/>
-          </p:cNvPicPr>
-          <p:nvPr>
-            <p:custDataLst>
-              <p:tags r:id="rId32"/>
-            </p:custDataLst>
-          </p:nvPr>
-        </p:nvPicPr>
-        <p:blipFill>
-          <a:blip r:embed="rId9">
-            <a:alphaModFix amt="50000"/>
-          </a:blip>
-          <a:stretch>
-            <a:fillRect/>
-          </a:stretch>
-        </p:blipFill>
-        <p:spPr>
-          <a:xfrm>
-            <a:off x="6381750" y="4934585"/>
-            <a:ext cx="440055" cy="440055"/>
-          </a:xfrm>
-          <a:prstGeom prst="rect">
-            <a:avLst/>
-          </a:prstGeom>
-        </p:spPr>
-      </p:pic>
     </p:spTree>
   </p:cSld>
   <p:clrMapOvr>
